--- a/slide-nhom-1-project-1-shop-quan-ao.pptx
+++ b/slide-nhom-1-project-1-shop-quan-ao.pptx
@@ -5,21 +5,23 @@
     <p:sldMasterId id="2147483658" r:id="rId1"/>
   </p:sldMasterIdLst>
   <p:notesMasterIdLst>
-    <p:notesMasterId r:id="rId11"/>
+    <p:notesMasterId r:id="rId13"/>
   </p:notesMasterIdLst>
   <p:handoutMasterIdLst>
-    <p:handoutMasterId r:id="rId12"/>
+    <p:handoutMasterId r:id="rId14"/>
   </p:handoutMasterIdLst>
   <p:sldIdLst>
     <p:sldId id="270" r:id="rId2"/>
-    <p:sldId id="271" r:id="rId3"/>
-    <p:sldId id="257" r:id="rId4"/>
-    <p:sldId id="265" r:id="rId5"/>
-    <p:sldId id="261" r:id="rId6"/>
-    <p:sldId id="266" r:id="rId7"/>
-    <p:sldId id="267" r:id="rId8"/>
-    <p:sldId id="268" r:id="rId9"/>
-    <p:sldId id="269" r:id="rId10"/>
+    <p:sldId id="257" r:id="rId3"/>
+    <p:sldId id="265" r:id="rId4"/>
+    <p:sldId id="261" r:id="rId5"/>
+    <p:sldId id="266" r:id="rId6"/>
+    <p:sldId id="275" r:id="rId7"/>
+    <p:sldId id="271" r:id="rId8"/>
+    <p:sldId id="272" r:id="rId9"/>
+    <p:sldId id="273" r:id="rId10"/>
+    <p:sldId id="274" r:id="rId11"/>
+    <p:sldId id="269" r:id="rId12"/>
   </p:sldIdLst>
   <p:sldSz cx="9144000" cy="6858000" type="screen4x3"/>
   <p:notesSz cx="6858000" cy="9144000"/>
@@ -118,6 +120,11 @@
       </a:defRPr>
     </a:lvl9pPr>
   </p:defaultTextStyle>
+  <p:extLst>
+    <p:ext uri="{EFAFB233-063F-42B5-8137-9DF3F51BA10A}">
+      <p15:sldGuideLst xmlns:p15="http://schemas.microsoft.com/office/powerpoint/2012/main"/>
+    </p:ext>
+  </p:extLst>
 </p:presentation>
 </file>
 
@@ -215,7 +222,7 @@
           <a:p>
             <a:fld id="{48B45424-6BAC-416C-8F6C-5F9DE854A36B}" type="datetimeFigureOut">
               <a:rPr lang="en-US" smtClean="0"/>
-              <a:t>05/28/21</a:t>
+              <a:t>5/16/25</a:t>
             </a:fld>
             <a:endParaRPr lang="en-US"/>
           </a:p>
@@ -393,7 +400,7 @@
           <a:p>
             <a:fld id="{6B733702-C25A-40B9-9167-54BAA79B29B0}" type="datetimeFigureOut">
               <a:rPr lang="en-US" smtClean="0"/>
-              <a:t>05/28/21</a:t>
+              <a:t>5/16/25</a:t>
             </a:fld>
             <a:endParaRPr lang="en-US"/>
           </a:p>
@@ -707,97 +714,6 @@
 
 <file path=ppt/slideLayouts/slideLayout2.xml><?xml version="1.0" encoding="utf-8"?>
 <p:sldLayout xmlns:a="http://schemas.openxmlformats.org/drawingml/2006/main" xmlns:r="http://schemas.openxmlformats.org/officeDocument/2006/relationships" xmlns:p="http://schemas.openxmlformats.org/presentationml/2006/main" userDrawn="1">
-  <p:cSld name="1_Title Slide">
-    <p:bg>
-      <p:bgPr>
-        <a:blipFill dpi="0" rotWithShape="1">
-          <a:blip r:embed="rId2">
-            <a:lum/>
-          </a:blip>
-          <a:srcRect/>
-          <a:stretch>
-            <a:fillRect/>
-          </a:stretch>
-        </a:blipFill>
-        <a:effectLst/>
-      </p:bgPr>
-    </p:bg>
-    <p:spTree>
-      <p:nvGrpSpPr>
-        <p:cNvPr id="1" name=""/>
-        <p:cNvGrpSpPr/>
-        <p:nvPr/>
-      </p:nvGrpSpPr>
-      <p:grpSpPr>
-        <a:xfrm>
-          <a:off x="0" y="0"/>
-          <a:ext cx="0" cy="0"/>
-          <a:chOff x="0" y="0"/>
-          <a:chExt cx="0" cy="0"/>
-        </a:xfrm>
-      </p:grpSpPr>
-      <p:sp>
-        <p:nvSpPr>
-          <p:cNvPr id="3" name="Title 6">
-            <a:extLst>
-              <a:ext uri="{FF2B5EF4-FFF2-40B4-BE49-F238E27FC236}">
-                <a16:creationId xmlns:a16="http://schemas.microsoft.com/office/drawing/2014/main" id="{C5DD3B49-F775-49FC-ACAD-45B074D1C945}"/>
-              </a:ext>
-            </a:extLst>
-          </p:cNvPr>
-          <p:cNvSpPr>
-            <a:spLocks noGrp="1"/>
-          </p:cNvSpPr>
-          <p:nvPr>
-            <p:ph type="title" hasCustomPrompt="1"/>
-          </p:nvPr>
-        </p:nvSpPr>
-        <p:spPr>
-          <a:xfrm>
-            <a:off x="2380488" y="2365248"/>
-            <a:ext cx="4383024" cy="2127504"/>
-          </a:xfrm>
-          <a:prstGeom prst="rect">
-            <a:avLst/>
-          </a:prstGeom>
-        </p:spPr>
-        <p:txBody>
-          <a:bodyPr/>
-          <a:lstStyle>
-            <a:lvl1pPr algn="ctr">
-              <a:defRPr sz="4800" b="1">
-                <a:solidFill>
-                  <a:schemeClr val="bg1"/>
-                </a:solidFill>
-                <a:latin typeface="Lato" panose="020F0502020204030203" pitchFamily="34" charset="0"/>
-                <a:ea typeface="Lato" panose="020F0502020204030203" pitchFamily="34" charset="0"/>
-                <a:cs typeface="Lato" panose="020F0502020204030203" pitchFamily="34" charset="0"/>
-              </a:defRPr>
-            </a:lvl1pPr>
-          </a:lstStyle>
-          <a:p>
-            <a:r>
-              <a:rPr lang="en-US" dirty="0"/>
-              <a:t>CLICK TO EDIT MASTER TITLE STYLE</a:t>
-            </a:r>
-          </a:p>
-        </p:txBody>
-      </p:sp>
-    </p:spTree>
-    <p:extLst>
-      <p:ext uri="{BB962C8B-B14F-4D97-AF65-F5344CB8AC3E}">
-        <p14:creationId xmlns:p14="http://schemas.microsoft.com/office/powerpoint/2010/main" val="678804056"/>
-      </p:ext>
-    </p:extLst>
-  </p:cSld>
-  <p:clrMapOvr>
-    <a:masterClrMapping/>
-  </p:clrMapOvr>
-</p:sldLayout>
-</file>
-
-<file path=ppt/slideLayouts/slideLayout3.xml><?xml version="1.0" encoding="utf-8"?>
-<p:sldLayout xmlns:a="http://schemas.openxmlformats.org/drawingml/2006/main" xmlns:r="http://schemas.openxmlformats.org/officeDocument/2006/relationships" xmlns:p="http://schemas.openxmlformats.org/presentationml/2006/main" userDrawn="1">
   <p:cSld name="1_Title and Content">
     <p:bg>
       <p:bgPr>
@@ -840,7 +756,7 @@
 </p:sldLayout>
 </file>
 
-<file path=ppt/slideLayouts/slideLayout4.xml><?xml version="1.0" encoding="utf-8"?>
+<file path=ppt/slideLayouts/slideLayout3.xml><?xml version="1.0" encoding="utf-8"?>
 <p:sldLayout xmlns:a="http://schemas.openxmlformats.org/drawingml/2006/main" xmlns:r="http://schemas.openxmlformats.org/officeDocument/2006/relationships" xmlns:p="http://schemas.openxmlformats.org/presentationml/2006/main" userDrawn="1">
   <p:cSld name="1_Section Header">
     <p:bg>
@@ -914,7 +830,7 @@
             <a:fld id="{F70EAA40-3A53-4A3D-924A-D38F1059C7D5}" type="datetime1">
               <a:rPr lang="en-US" smtClean="0"/>
               <a:pPr/>
-              <a:t>05/28/21</a:t>
+              <a:t>5/16/25</a:t>
             </a:fld>
             <a:endParaRPr lang="en-US"/>
           </a:p>
@@ -1174,7 +1090,7 @@
 </p:sldLayout>
 </file>
 
-<file path=ppt/slideLayouts/slideLayout5.xml><?xml version="1.0" encoding="utf-8"?>
+<file path=ppt/slideLayouts/slideLayout4.xml><?xml version="1.0" encoding="utf-8"?>
 <p:sldLayout xmlns:a="http://schemas.openxmlformats.org/drawingml/2006/main" xmlns:r="http://schemas.openxmlformats.org/officeDocument/2006/relationships" xmlns:p="http://schemas.openxmlformats.org/presentationml/2006/main" userDrawn="1">
   <p:cSld name="1_Two Content">
     <p:bg>
@@ -1248,7 +1164,7 @@
             <a:fld id="{F70EAA40-3A53-4A3D-924A-D38F1059C7D5}" type="datetime1">
               <a:rPr lang="en-US" smtClean="0"/>
               <a:pPr/>
-              <a:t>05/28/21</a:t>
+              <a:t>5/16/25</a:t>
             </a:fld>
             <a:endParaRPr lang="en-US"/>
           </a:p>
@@ -1609,7 +1525,7 @@
 </p:sldLayout>
 </file>
 
-<file path=ppt/slideLayouts/slideLayout6.xml><?xml version="1.0" encoding="utf-8"?>
+<file path=ppt/slideLayouts/slideLayout5.xml><?xml version="1.0" encoding="utf-8"?>
 <p:sldLayout xmlns:a="http://schemas.openxmlformats.org/drawingml/2006/main" xmlns:r="http://schemas.openxmlformats.org/officeDocument/2006/relationships" xmlns:p="http://schemas.openxmlformats.org/presentationml/2006/main" userDrawn="1">
   <p:cSld name="1_Comparison">
     <p:bg>
@@ -1683,7 +1599,7 @@
             <a:fld id="{F70EAA40-3A53-4A3D-924A-D38F1059C7D5}" type="datetime1">
               <a:rPr lang="en-US" smtClean="0"/>
               <a:pPr/>
-              <a:t>05/28/21</a:t>
+              <a:t>5/16/25</a:t>
             </a:fld>
             <a:endParaRPr lang="en-US"/>
           </a:p>
@@ -1943,778 +1859,7 @@
 </p:sldLayout>
 </file>
 
-<file path=ppt/slideLayouts/slideLayout7.xml><?xml version="1.0" encoding="utf-8"?>
-<p:sldLayout xmlns:a="http://schemas.openxmlformats.org/drawingml/2006/main" xmlns:r="http://schemas.openxmlformats.org/officeDocument/2006/relationships" xmlns:p="http://schemas.openxmlformats.org/presentationml/2006/main" userDrawn="1">
-  <p:cSld name="1_Title Only">
-    <p:bg>
-      <p:bgPr>
-        <a:blipFill dpi="0" rotWithShape="1">
-          <a:blip r:embed="rId2">
-            <a:lum/>
-          </a:blip>
-          <a:srcRect/>
-          <a:stretch>
-            <a:fillRect/>
-          </a:stretch>
-        </a:blipFill>
-        <a:effectLst/>
-      </p:bgPr>
-    </p:bg>
-    <p:spTree>
-      <p:nvGrpSpPr>
-        <p:cNvPr id="1" name=""/>
-        <p:cNvGrpSpPr/>
-        <p:nvPr/>
-      </p:nvGrpSpPr>
-      <p:grpSpPr>
-        <a:xfrm>
-          <a:off x="0" y="0"/>
-          <a:ext cx="0" cy="0"/>
-          <a:chOff x="0" y="0"/>
-          <a:chExt cx="0" cy="0"/>
-        </a:xfrm>
-      </p:grpSpPr>
-      <p:sp>
-        <p:nvSpPr>
-          <p:cNvPr id="11" name="Title 6">
-            <a:extLst>
-              <a:ext uri="{FF2B5EF4-FFF2-40B4-BE49-F238E27FC236}">
-                <a16:creationId xmlns:a16="http://schemas.microsoft.com/office/drawing/2014/main" id="{689FBFE6-E7AD-40DE-88B8-794C73F956C5}"/>
-              </a:ext>
-            </a:extLst>
-          </p:cNvPr>
-          <p:cNvSpPr>
-            <a:spLocks noGrp="1"/>
-          </p:cNvSpPr>
-          <p:nvPr>
-            <p:ph type="title" hasCustomPrompt="1"/>
-          </p:nvPr>
-        </p:nvSpPr>
-        <p:spPr>
-          <a:xfrm>
-            <a:off x="3511295" y="224917"/>
-            <a:ext cx="5397627" cy="451739"/>
-          </a:xfrm>
-          <a:prstGeom prst="rect">
-            <a:avLst/>
-          </a:prstGeom>
-        </p:spPr>
-        <p:txBody>
-          <a:bodyPr/>
-          <a:lstStyle>
-            <a:lvl1pPr>
-              <a:defRPr sz="2800" b="1">
-                <a:solidFill>
-                  <a:schemeClr val="tx1"/>
-                </a:solidFill>
-                <a:latin typeface="Lato" panose="020F0502020204030203" pitchFamily="34" charset="0"/>
-                <a:ea typeface="Lato" panose="020F0502020204030203" pitchFamily="34" charset="0"/>
-                <a:cs typeface="Lato" panose="020F0502020204030203" pitchFamily="34" charset="0"/>
-              </a:defRPr>
-            </a:lvl1pPr>
-          </a:lstStyle>
-          <a:p>
-            <a:r>
-              <a:rPr lang="en-US" dirty="0"/>
-              <a:t>Title 4: ……………………………………</a:t>
-            </a:r>
-          </a:p>
-        </p:txBody>
-      </p:sp>
-      <p:sp>
-        <p:nvSpPr>
-          <p:cNvPr id="12" name="Text Placeholder 7">
-            <a:extLst>
-              <a:ext uri="{FF2B5EF4-FFF2-40B4-BE49-F238E27FC236}">
-                <a16:creationId xmlns:a16="http://schemas.microsoft.com/office/drawing/2014/main" id="{1C2ED7A5-CBB5-4B5C-BD2A-3596087A71FA}"/>
-              </a:ext>
-            </a:extLst>
-          </p:cNvPr>
-          <p:cNvSpPr>
-            <a:spLocks noGrp="1"/>
-          </p:cNvSpPr>
-          <p:nvPr>
-            <p:ph type="body" sz="quarter" idx="13"/>
-          </p:nvPr>
-        </p:nvSpPr>
-        <p:spPr>
-          <a:xfrm>
-            <a:off x="3524251" y="1011238"/>
-            <a:ext cx="5384672" cy="5529262"/>
-          </a:xfrm>
-          <a:prstGeom prst="rect">
-            <a:avLst/>
-          </a:prstGeom>
-        </p:spPr>
-        <p:txBody>
-          <a:bodyPr/>
-          <a:lstStyle>
-            <a:lvl1pPr>
-              <a:defRPr>
-                <a:latin typeface="Lato" panose="020F0502020204030203" pitchFamily="34" charset="0"/>
-                <a:ea typeface="Lato" panose="020F0502020204030203" pitchFamily="34" charset="0"/>
-                <a:cs typeface="Lato" panose="020F0502020204030203" pitchFamily="34" charset="0"/>
-              </a:defRPr>
-            </a:lvl1pPr>
-            <a:lvl2pPr>
-              <a:defRPr>
-                <a:latin typeface="Lato" panose="020F0502020204030203" pitchFamily="34" charset="0"/>
-                <a:ea typeface="Lato" panose="020F0502020204030203" pitchFamily="34" charset="0"/>
-                <a:cs typeface="Lato" panose="020F0502020204030203" pitchFamily="34" charset="0"/>
-              </a:defRPr>
-            </a:lvl2pPr>
-            <a:lvl3pPr>
-              <a:defRPr>
-                <a:latin typeface="Lato" panose="020F0502020204030203" pitchFamily="34" charset="0"/>
-                <a:ea typeface="Lato" panose="020F0502020204030203" pitchFamily="34" charset="0"/>
-                <a:cs typeface="Lato" panose="020F0502020204030203" pitchFamily="34" charset="0"/>
-              </a:defRPr>
-            </a:lvl3pPr>
-            <a:lvl4pPr>
-              <a:defRPr>
-                <a:latin typeface="Lato" panose="020F0502020204030203" pitchFamily="34" charset="0"/>
-                <a:ea typeface="Lato" panose="020F0502020204030203" pitchFamily="34" charset="0"/>
-                <a:cs typeface="Lato" panose="020F0502020204030203" pitchFamily="34" charset="0"/>
-              </a:defRPr>
-            </a:lvl4pPr>
-            <a:lvl5pPr>
-              <a:defRPr>
-                <a:latin typeface="Lato" panose="020F0502020204030203" pitchFamily="34" charset="0"/>
-                <a:ea typeface="Lato" panose="020F0502020204030203" pitchFamily="34" charset="0"/>
-                <a:cs typeface="Lato" panose="020F0502020204030203" pitchFamily="34" charset="0"/>
-              </a:defRPr>
-            </a:lvl5pPr>
-          </a:lstStyle>
-          <a:p>
-            <a:pPr lvl="0"/>
-            <a:r>
-              <a:rPr lang="en-US" dirty="0"/>
-              <a:t>Click to edit Master text styles</a:t>
-            </a:r>
-          </a:p>
-          <a:p>
-            <a:pPr lvl="1"/>
-            <a:r>
-              <a:rPr lang="en-US" dirty="0"/>
-              <a:t>Second level</a:t>
-            </a:r>
-          </a:p>
-          <a:p>
-            <a:pPr lvl="2"/>
-            <a:r>
-              <a:rPr lang="en-US" dirty="0"/>
-              <a:t>Third level</a:t>
-            </a:r>
-          </a:p>
-          <a:p>
-            <a:pPr lvl="3"/>
-            <a:r>
-              <a:rPr lang="en-US" dirty="0"/>
-              <a:t>Fourth level</a:t>
-            </a:r>
-          </a:p>
-          <a:p>
-            <a:pPr lvl="4"/>
-            <a:r>
-              <a:rPr lang="en-US" dirty="0"/>
-              <a:t>Fifth level</a:t>
-            </a:r>
-          </a:p>
-        </p:txBody>
-      </p:sp>
-      <p:sp>
-        <p:nvSpPr>
-          <p:cNvPr id="13" name="Date Placeholder 3">
-            <a:extLst>
-              <a:ext uri="{FF2B5EF4-FFF2-40B4-BE49-F238E27FC236}">
-                <a16:creationId xmlns:a16="http://schemas.microsoft.com/office/drawing/2014/main" id="{E21F2271-B488-4DC9-A50E-592D82F22CE9}"/>
-              </a:ext>
-            </a:extLst>
-          </p:cNvPr>
-          <p:cNvSpPr>
-            <a:spLocks noGrp="1"/>
-          </p:cNvSpPr>
-          <p:nvPr>
-            <p:ph type="dt" sz="half" idx="10"/>
-          </p:nvPr>
-        </p:nvSpPr>
-        <p:spPr>
-          <a:xfrm>
-            <a:off x="628650" y="6565257"/>
-            <a:ext cx="2057400" cy="365125"/>
-          </a:xfrm>
-          <a:prstGeom prst="rect">
-            <a:avLst/>
-          </a:prstGeom>
-        </p:spPr>
-        <p:txBody>
-          <a:bodyPr/>
-          <a:lstStyle>
-            <a:lvl1pPr>
-              <a:defRPr sz="1200" b="1">
-                <a:solidFill>
-                  <a:schemeClr val="bg1">
-                    <a:lumMod val="95000"/>
-                  </a:schemeClr>
-                </a:solidFill>
-                <a:latin typeface="Lato" panose="020F0502020204030203" pitchFamily="34" charset="0"/>
-                <a:ea typeface="Lato" panose="020F0502020204030203" pitchFamily="34" charset="0"/>
-                <a:cs typeface="Lato" panose="020F0502020204030203" pitchFamily="34" charset="0"/>
-              </a:defRPr>
-            </a:lvl1pPr>
-          </a:lstStyle>
-          <a:p>
-            <a:fld id="{F70EAA40-3A53-4A3D-924A-D38F1059C7D5}" type="datetime1">
-              <a:rPr lang="en-US" smtClean="0"/>
-              <a:pPr/>
-              <a:t>05/28/21</a:t>
-            </a:fld>
-            <a:endParaRPr lang="en-US"/>
-          </a:p>
-        </p:txBody>
-      </p:sp>
-      <p:sp>
-        <p:nvSpPr>
-          <p:cNvPr id="14" name="Footer Placeholder 4">
-            <a:extLst>
-              <a:ext uri="{FF2B5EF4-FFF2-40B4-BE49-F238E27FC236}">
-                <a16:creationId xmlns:a16="http://schemas.microsoft.com/office/drawing/2014/main" id="{706E966D-F219-41DE-82BF-3F3121B7DCCC}"/>
-              </a:ext>
-            </a:extLst>
-          </p:cNvPr>
-          <p:cNvSpPr>
-            <a:spLocks noGrp="1"/>
-          </p:cNvSpPr>
-          <p:nvPr>
-            <p:ph type="ftr" sz="quarter" idx="11"/>
-          </p:nvPr>
-        </p:nvSpPr>
-        <p:spPr>
-          <a:xfrm>
-            <a:off x="3028950" y="6565257"/>
-            <a:ext cx="3086100" cy="365125"/>
-          </a:xfrm>
-          <a:prstGeom prst="rect">
-            <a:avLst/>
-          </a:prstGeom>
-        </p:spPr>
-        <p:txBody>
-          <a:bodyPr/>
-          <a:lstStyle>
-            <a:lvl1pPr algn="ctr">
-              <a:defRPr sz="1200" b="1">
-                <a:solidFill>
-                  <a:srgbClr val="C00000"/>
-                </a:solidFill>
-                <a:latin typeface="Lato" panose="020F0502020204030203" pitchFamily="34" charset="0"/>
-                <a:ea typeface="Lato" panose="020F0502020204030203" pitchFamily="34" charset="0"/>
-                <a:cs typeface="Lato" panose="020F0502020204030203" pitchFamily="34" charset="0"/>
-              </a:defRPr>
-            </a:lvl1pPr>
-          </a:lstStyle>
-          <a:p>
-            <a:endParaRPr lang="en-US" dirty="0"/>
-          </a:p>
-        </p:txBody>
-      </p:sp>
-      <p:sp>
-        <p:nvSpPr>
-          <p:cNvPr id="15" name="Slide Number Placeholder 5">
-            <a:extLst>
-              <a:ext uri="{FF2B5EF4-FFF2-40B4-BE49-F238E27FC236}">
-                <a16:creationId xmlns:a16="http://schemas.microsoft.com/office/drawing/2014/main" id="{AF61A491-C108-489A-B2EA-9FC27DAD4D24}"/>
-              </a:ext>
-            </a:extLst>
-          </p:cNvPr>
-          <p:cNvSpPr>
-            <a:spLocks noGrp="1"/>
-          </p:cNvSpPr>
-          <p:nvPr>
-            <p:ph type="sldNum" sz="quarter" idx="12"/>
-          </p:nvPr>
-        </p:nvSpPr>
-        <p:spPr>
-          <a:xfrm>
-            <a:off x="6867383" y="6572126"/>
-            <a:ext cx="2057400" cy="365125"/>
-          </a:xfrm>
-          <a:prstGeom prst="rect">
-            <a:avLst/>
-          </a:prstGeom>
-        </p:spPr>
-        <p:txBody>
-          <a:bodyPr/>
-          <a:lstStyle>
-            <a:lvl1pPr algn="r">
-              <a:defRPr sz="1200" b="1">
-                <a:solidFill>
-                  <a:srgbClr val="C00000"/>
-                </a:solidFill>
-                <a:latin typeface="Lato" panose="020F0502020204030203" pitchFamily="34" charset="0"/>
-                <a:ea typeface="Lato" panose="020F0502020204030203" pitchFamily="34" charset="0"/>
-                <a:cs typeface="Lato" panose="020F0502020204030203" pitchFamily="34" charset="0"/>
-              </a:defRPr>
-            </a:lvl1pPr>
-          </a:lstStyle>
-          <a:p>
-            <a:fld id="{9EA0BE3B-158A-4EDF-80DC-E394A0D1600F}" type="slidenum">
-              <a:rPr lang="en-US" smtClean="0"/>
-              <a:pPr/>
-              <a:t>‹#›</a:t>
-            </a:fld>
-            <a:endParaRPr lang="en-US" dirty="0"/>
-          </a:p>
-        </p:txBody>
-      </p:sp>
-    </p:spTree>
-    <p:extLst>
-      <p:ext uri="{BB962C8B-B14F-4D97-AF65-F5344CB8AC3E}">
-        <p14:creationId xmlns:p14="http://schemas.microsoft.com/office/powerpoint/2010/main" val="3313388757"/>
-      </p:ext>
-    </p:extLst>
-  </p:cSld>
-  <p:clrMapOvr>
-    <a:masterClrMapping/>
-  </p:clrMapOvr>
-</p:sldLayout>
-</file>
-
-<file path=ppt/slideLayouts/slideLayout8.xml><?xml version="1.0" encoding="utf-8"?>
-<p:sldLayout xmlns:a="http://schemas.openxmlformats.org/drawingml/2006/main" xmlns:r="http://schemas.openxmlformats.org/officeDocument/2006/relationships" xmlns:p="http://schemas.openxmlformats.org/presentationml/2006/main" userDrawn="1">
-  <p:cSld name="1_Blank">
-    <p:bg>
-      <p:bgPr>
-        <a:blipFill dpi="0" rotWithShape="1">
-          <a:blip r:embed="rId2">
-            <a:lum/>
-          </a:blip>
-          <a:srcRect/>
-          <a:stretch>
-            <a:fillRect/>
-          </a:stretch>
-        </a:blipFill>
-        <a:effectLst/>
-      </p:bgPr>
-    </p:bg>
-    <p:spTree>
-      <p:nvGrpSpPr>
-        <p:cNvPr id="1" name=""/>
-        <p:cNvGrpSpPr/>
-        <p:nvPr/>
-      </p:nvGrpSpPr>
-      <p:grpSpPr>
-        <a:xfrm>
-          <a:off x="0" y="0"/>
-          <a:ext cx="0" cy="0"/>
-          <a:chOff x="0" y="0"/>
-          <a:chExt cx="0" cy="0"/>
-        </a:xfrm>
-      </p:grpSpPr>
-      <p:sp>
-        <p:nvSpPr>
-          <p:cNvPr id="13" name="Title 6">
-            <a:extLst>
-              <a:ext uri="{FF2B5EF4-FFF2-40B4-BE49-F238E27FC236}">
-                <a16:creationId xmlns:a16="http://schemas.microsoft.com/office/drawing/2014/main" id="{74BADCE4-794A-4B69-9AB7-3D794A1F9A49}"/>
-              </a:ext>
-            </a:extLst>
-          </p:cNvPr>
-          <p:cNvSpPr>
-            <a:spLocks noGrp="1"/>
-          </p:cNvSpPr>
-          <p:nvPr>
-            <p:ph type="title" hasCustomPrompt="1"/>
-          </p:nvPr>
-        </p:nvSpPr>
-        <p:spPr>
-          <a:xfrm>
-            <a:off x="235077" y="78613"/>
-            <a:ext cx="8673846" cy="451739"/>
-          </a:xfrm>
-          <a:prstGeom prst="rect">
-            <a:avLst/>
-          </a:prstGeom>
-        </p:spPr>
-        <p:txBody>
-          <a:bodyPr/>
-          <a:lstStyle>
-            <a:lvl1pPr>
-              <a:defRPr sz="2800" b="1">
-                <a:solidFill>
-                  <a:schemeClr val="bg1"/>
-                </a:solidFill>
-                <a:latin typeface="Lato" panose="020F0502020204030203" pitchFamily="34" charset="0"/>
-                <a:ea typeface="Lato" panose="020F0502020204030203" pitchFamily="34" charset="0"/>
-                <a:cs typeface="Lato" panose="020F0502020204030203" pitchFamily="34" charset="0"/>
-              </a:defRPr>
-            </a:lvl1pPr>
-          </a:lstStyle>
-          <a:p>
-            <a:r>
-              <a:rPr lang="en-US" dirty="0"/>
-              <a:t>Title 5: ………………………………………</a:t>
-            </a:r>
-          </a:p>
-        </p:txBody>
-      </p:sp>
-      <p:sp>
-        <p:nvSpPr>
-          <p:cNvPr id="14" name="Content Placeholder 2">
-            <a:extLst>
-              <a:ext uri="{FF2B5EF4-FFF2-40B4-BE49-F238E27FC236}">
-                <a16:creationId xmlns:a16="http://schemas.microsoft.com/office/drawing/2014/main" id="{38375D86-D290-4003-A314-C916116C4238}"/>
-              </a:ext>
-            </a:extLst>
-          </p:cNvPr>
-          <p:cNvSpPr>
-            <a:spLocks noGrp="1"/>
-          </p:cNvSpPr>
-          <p:nvPr>
-            <p:ph sz="half" idx="1"/>
-          </p:nvPr>
-        </p:nvSpPr>
-        <p:spPr>
-          <a:xfrm>
-            <a:off x="595884" y="1533017"/>
-            <a:ext cx="3886200" cy="4351338"/>
-          </a:xfrm>
-          <a:prstGeom prst="rect">
-            <a:avLst/>
-          </a:prstGeom>
-        </p:spPr>
-        <p:txBody>
-          <a:bodyPr/>
-          <a:lstStyle>
-            <a:lvl1pPr>
-              <a:defRPr>
-                <a:latin typeface="Lato" panose="020F0502020204030203" pitchFamily="34" charset="0"/>
-                <a:ea typeface="Lato" panose="020F0502020204030203" pitchFamily="34" charset="0"/>
-                <a:cs typeface="Lato" panose="020F0502020204030203" pitchFamily="34" charset="0"/>
-              </a:defRPr>
-            </a:lvl1pPr>
-            <a:lvl2pPr>
-              <a:defRPr>
-                <a:latin typeface="Lato" panose="020F0502020204030203" pitchFamily="34" charset="0"/>
-                <a:ea typeface="Lato" panose="020F0502020204030203" pitchFamily="34" charset="0"/>
-                <a:cs typeface="Lato" panose="020F0502020204030203" pitchFamily="34" charset="0"/>
-              </a:defRPr>
-            </a:lvl2pPr>
-            <a:lvl3pPr>
-              <a:defRPr>
-                <a:latin typeface="Lato" panose="020F0502020204030203" pitchFamily="34" charset="0"/>
-                <a:ea typeface="Lato" panose="020F0502020204030203" pitchFamily="34" charset="0"/>
-                <a:cs typeface="Lato" panose="020F0502020204030203" pitchFamily="34" charset="0"/>
-              </a:defRPr>
-            </a:lvl3pPr>
-            <a:lvl4pPr>
-              <a:defRPr>
-                <a:latin typeface="Lato" panose="020F0502020204030203" pitchFamily="34" charset="0"/>
-                <a:ea typeface="Lato" panose="020F0502020204030203" pitchFamily="34" charset="0"/>
-                <a:cs typeface="Lato" panose="020F0502020204030203" pitchFamily="34" charset="0"/>
-              </a:defRPr>
-            </a:lvl4pPr>
-            <a:lvl5pPr>
-              <a:defRPr>
-                <a:latin typeface="Lato" panose="020F0502020204030203" pitchFamily="34" charset="0"/>
-                <a:ea typeface="Lato" panose="020F0502020204030203" pitchFamily="34" charset="0"/>
-                <a:cs typeface="Lato" panose="020F0502020204030203" pitchFamily="34" charset="0"/>
-              </a:defRPr>
-            </a:lvl5pPr>
-          </a:lstStyle>
-          <a:p>
-            <a:pPr lvl="0"/>
-            <a:r>
-              <a:rPr lang="en-US" dirty="0"/>
-              <a:t>Click to edit Master text styles</a:t>
-            </a:r>
-          </a:p>
-          <a:p>
-            <a:pPr lvl="1"/>
-            <a:r>
-              <a:rPr lang="en-US" dirty="0"/>
-              <a:t>Second level</a:t>
-            </a:r>
-          </a:p>
-          <a:p>
-            <a:pPr lvl="2"/>
-            <a:r>
-              <a:rPr lang="en-US" dirty="0"/>
-              <a:t>Third level</a:t>
-            </a:r>
-          </a:p>
-          <a:p>
-            <a:pPr lvl="3"/>
-            <a:r>
-              <a:rPr lang="en-US" dirty="0"/>
-              <a:t>Fourth level</a:t>
-            </a:r>
-          </a:p>
-          <a:p>
-            <a:pPr lvl="4"/>
-            <a:r>
-              <a:rPr lang="en-US" dirty="0"/>
-              <a:t>Fifth level</a:t>
-            </a:r>
-          </a:p>
-        </p:txBody>
-      </p:sp>
-      <p:sp>
-        <p:nvSpPr>
-          <p:cNvPr id="15" name="Content Placeholder 3">
-            <a:extLst>
-              <a:ext uri="{FF2B5EF4-FFF2-40B4-BE49-F238E27FC236}">
-                <a16:creationId xmlns:a16="http://schemas.microsoft.com/office/drawing/2014/main" id="{FB62406B-26DB-4A01-B048-1F2C7540F82F}"/>
-              </a:ext>
-            </a:extLst>
-          </p:cNvPr>
-          <p:cNvSpPr>
-            <a:spLocks noGrp="1"/>
-          </p:cNvSpPr>
-          <p:nvPr>
-            <p:ph sz="half" idx="2"/>
-          </p:nvPr>
-        </p:nvSpPr>
-        <p:spPr>
-          <a:xfrm>
-            <a:off x="4639056" y="1533017"/>
-            <a:ext cx="3886200" cy="4351338"/>
-          </a:xfrm>
-          <a:prstGeom prst="rect">
-            <a:avLst/>
-          </a:prstGeom>
-        </p:spPr>
-        <p:txBody>
-          <a:bodyPr/>
-          <a:lstStyle>
-            <a:lvl1pPr>
-              <a:defRPr>
-                <a:latin typeface="Lato" panose="020F0502020204030203" pitchFamily="34" charset="0"/>
-                <a:ea typeface="Lato" panose="020F0502020204030203" pitchFamily="34" charset="0"/>
-                <a:cs typeface="Lato" panose="020F0502020204030203" pitchFamily="34" charset="0"/>
-              </a:defRPr>
-            </a:lvl1pPr>
-            <a:lvl2pPr>
-              <a:defRPr>
-                <a:latin typeface="Lato" panose="020F0502020204030203" pitchFamily="34" charset="0"/>
-                <a:ea typeface="Lato" panose="020F0502020204030203" pitchFamily="34" charset="0"/>
-                <a:cs typeface="Lato" panose="020F0502020204030203" pitchFamily="34" charset="0"/>
-              </a:defRPr>
-            </a:lvl2pPr>
-            <a:lvl3pPr>
-              <a:defRPr>
-                <a:latin typeface="Lato" panose="020F0502020204030203" pitchFamily="34" charset="0"/>
-                <a:ea typeface="Lato" panose="020F0502020204030203" pitchFamily="34" charset="0"/>
-                <a:cs typeface="Lato" panose="020F0502020204030203" pitchFamily="34" charset="0"/>
-              </a:defRPr>
-            </a:lvl3pPr>
-            <a:lvl4pPr>
-              <a:defRPr>
-                <a:latin typeface="Lato" panose="020F0502020204030203" pitchFamily="34" charset="0"/>
-                <a:ea typeface="Lato" panose="020F0502020204030203" pitchFamily="34" charset="0"/>
-                <a:cs typeface="Lato" panose="020F0502020204030203" pitchFamily="34" charset="0"/>
-              </a:defRPr>
-            </a:lvl4pPr>
-            <a:lvl5pPr>
-              <a:defRPr>
-                <a:latin typeface="Lato" panose="020F0502020204030203" pitchFamily="34" charset="0"/>
-                <a:ea typeface="Lato" panose="020F0502020204030203" pitchFamily="34" charset="0"/>
-                <a:cs typeface="Lato" panose="020F0502020204030203" pitchFamily="34" charset="0"/>
-              </a:defRPr>
-            </a:lvl5pPr>
-          </a:lstStyle>
-          <a:p>
-            <a:pPr lvl="0"/>
-            <a:r>
-              <a:rPr lang="en-US" dirty="0"/>
-              <a:t>Click to edit Master text styles</a:t>
-            </a:r>
-          </a:p>
-          <a:p>
-            <a:pPr lvl="1"/>
-            <a:r>
-              <a:rPr lang="en-US" dirty="0"/>
-              <a:t>Second level</a:t>
-            </a:r>
-          </a:p>
-          <a:p>
-            <a:pPr lvl="2"/>
-            <a:r>
-              <a:rPr lang="en-US" dirty="0"/>
-              <a:t>Third level</a:t>
-            </a:r>
-          </a:p>
-          <a:p>
-            <a:pPr lvl="3"/>
-            <a:r>
-              <a:rPr lang="en-US" dirty="0"/>
-              <a:t>Fourth level</a:t>
-            </a:r>
-          </a:p>
-          <a:p>
-            <a:pPr lvl="4"/>
-            <a:r>
-              <a:rPr lang="en-US" dirty="0"/>
-              <a:t>Fifth level</a:t>
-            </a:r>
-          </a:p>
-        </p:txBody>
-      </p:sp>
-      <p:sp>
-        <p:nvSpPr>
-          <p:cNvPr id="16" name="Date Placeholder 3">
-            <a:extLst>
-              <a:ext uri="{FF2B5EF4-FFF2-40B4-BE49-F238E27FC236}">
-                <a16:creationId xmlns:a16="http://schemas.microsoft.com/office/drawing/2014/main" id="{A52862E5-D8E1-49BF-8D1B-BF0ED6579EA7}"/>
-              </a:ext>
-            </a:extLst>
-          </p:cNvPr>
-          <p:cNvSpPr>
-            <a:spLocks noGrp="1"/>
-          </p:cNvSpPr>
-          <p:nvPr>
-            <p:ph type="dt" sz="half" idx="10"/>
-          </p:nvPr>
-        </p:nvSpPr>
-        <p:spPr>
-          <a:xfrm>
-            <a:off x="628650" y="6565257"/>
-            <a:ext cx="2057400" cy="365125"/>
-          </a:xfrm>
-          <a:prstGeom prst="rect">
-            <a:avLst/>
-          </a:prstGeom>
-        </p:spPr>
-        <p:txBody>
-          <a:bodyPr/>
-          <a:lstStyle>
-            <a:lvl1pPr>
-              <a:defRPr sz="1200" b="1">
-                <a:solidFill>
-                  <a:srgbClr val="C00000"/>
-                </a:solidFill>
-                <a:latin typeface="Lato" panose="020F0502020204030203" pitchFamily="34" charset="0"/>
-                <a:ea typeface="Lato" panose="020F0502020204030203" pitchFamily="34" charset="0"/>
-                <a:cs typeface="Lato" panose="020F0502020204030203" pitchFamily="34" charset="0"/>
-              </a:defRPr>
-            </a:lvl1pPr>
-          </a:lstStyle>
-          <a:p>
-            <a:fld id="{F70EAA40-3A53-4A3D-924A-D38F1059C7D5}" type="datetime1">
-              <a:rPr lang="en-US" smtClean="0"/>
-              <a:pPr/>
-              <a:t>05/28/21</a:t>
-            </a:fld>
-            <a:endParaRPr lang="en-US"/>
-          </a:p>
-        </p:txBody>
-      </p:sp>
-      <p:sp>
-        <p:nvSpPr>
-          <p:cNvPr id="17" name="Footer Placeholder 4">
-            <a:extLst>
-              <a:ext uri="{FF2B5EF4-FFF2-40B4-BE49-F238E27FC236}">
-                <a16:creationId xmlns:a16="http://schemas.microsoft.com/office/drawing/2014/main" id="{591AAF74-01FB-49A8-9375-959140F1D0E6}"/>
-              </a:ext>
-            </a:extLst>
-          </p:cNvPr>
-          <p:cNvSpPr>
-            <a:spLocks noGrp="1"/>
-          </p:cNvSpPr>
-          <p:nvPr>
-            <p:ph type="ftr" sz="quarter" idx="11"/>
-          </p:nvPr>
-        </p:nvSpPr>
-        <p:spPr>
-          <a:xfrm>
-            <a:off x="3028950" y="6565257"/>
-            <a:ext cx="3086100" cy="365125"/>
-          </a:xfrm>
-          <a:prstGeom prst="rect">
-            <a:avLst/>
-          </a:prstGeom>
-        </p:spPr>
-        <p:txBody>
-          <a:bodyPr/>
-          <a:lstStyle>
-            <a:lvl1pPr algn="ctr">
-              <a:defRPr sz="1200" b="1">
-                <a:solidFill>
-                  <a:srgbClr val="C00000"/>
-                </a:solidFill>
-                <a:latin typeface="Lato" panose="020F0502020204030203" pitchFamily="34" charset="0"/>
-                <a:ea typeface="Lato" panose="020F0502020204030203" pitchFamily="34" charset="0"/>
-                <a:cs typeface="Lato" panose="020F0502020204030203" pitchFamily="34" charset="0"/>
-              </a:defRPr>
-            </a:lvl1pPr>
-          </a:lstStyle>
-          <a:p>
-            <a:endParaRPr lang="en-US"/>
-          </a:p>
-        </p:txBody>
-      </p:sp>
-      <p:sp>
-        <p:nvSpPr>
-          <p:cNvPr id="18" name="Slide Number Placeholder 5">
-            <a:extLst>
-              <a:ext uri="{FF2B5EF4-FFF2-40B4-BE49-F238E27FC236}">
-                <a16:creationId xmlns:a16="http://schemas.microsoft.com/office/drawing/2014/main" id="{BBF4BC2F-980C-499D-A4B9-E7CD3D44754C}"/>
-              </a:ext>
-            </a:extLst>
-          </p:cNvPr>
-          <p:cNvSpPr>
-            <a:spLocks noGrp="1"/>
-          </p:cNvSpPr>
-          <p:nvPr>
-            <p:ph type="sldNum" sz="quarter" idx="12"/>
-          </p:nvPr>
-        </p:nvSpPr>
-        <p:spPr>
-          <a:xfrm>
-            <a:off x="6867383" y="6572126"/>
-            <a:ext cx="2057400" cy="365125"/>
-          </a:xfrm>
-          <a:prstGeom prst="rect">
-            <a:avLst/>
-          </a:prstGeom>
-        </p:spPr>
-        <p:txBody>
-          <a:bodyPr/>
-          <a:lstStyle>
-            <a:lvl1pPr algn="r">
-              <a:defRPr sz="1200" b="1">
-                <a:solidFill>
-                  <a:srgbClr val="C00000"/>
-                </a:solidFill>
-                <a:latin typeface="Lato" panose="020F0502020204030203" pitchFamily="34" charset="0"/>
-                <a:ea typeface="Lato" panose="020F0502020204030203" pitchFamily="34" charset="0"/>
-                <a:cs typeface="Lato" panose="020F0502020204030203" pitchFamily="34" charset="0"/>
-              </a:defRPr>
-            </a:lvl1pPr>
-          </a:lstStyle>
-          <a:p>
-            <a:fld id="{9EA0BE3B-158A-4EDF-80DC-E394A0D1600F}" type="slidenum">
-              <a:rPr lang="en-US" smtClean="0"/>
-              <a:pPr/>
-              <a:t>‹#›</a:t>
-            </a:fld>
-            <a:endParaRPr lang="en-US" dirty="0"/>
-          </a:p>
-        </p:txBody>
-      </p:sp>
-    </p:spTree>
-    <p:extLst>
-      <p:ext uri="{BB962C8B-B14F-4D97-AF65-F5344CB8AC3E}">
-        <p14:creationId xmlns:p14="http://schemas.microsoft.com/office/powerpoint/2010/main" val="3052933222"/>
-      </p:ext>
-    </p:extLst>
-  </p:cSld>
-  <p:clrMapOvr>
-    <a:masterClrMapping/>
-  </p:clrMapOvr>
-</p:sldLayout>
-</file>
-
-<file path=ppt/slideLayouts/slideLayout9.xml><?xml version="1.0" encoding="utf-8"?>
+<file path=ppt/slideLayouts/slideLayout6.xml><?xml version="1.0" encoding="utf-8"?>
 <p:sldLayout xmlns:a="http://schemas.openxmlformats.org/drawingml/2006/main" xmlns:r="http://schemas.openxmlformats.org/officeDocument/2006/relationships" xmlns:p="http://schemas.openxmlformats.org/presentationml/2006/main" userDrawn="1">
   <p:cSld name="1_Content with Caption">
     <p:bg>
@@ -2790,7 +1935,7 @@
             <a:fld id="{F70EAA40-3A53-4A3D-924A-D38F1059C7D5}" type="datetime1">
               <a:rPr lang="en-US" smtClean="0"/>
               <a:pPr/>
-              <a:t>05/28/21</a:t>
+              <a:t>5/16/25</a:t>
             </a:fld>
             <a:endParaRPr lang="en-US"/>
           </a:p>
@@ -2908,7 +2053,7 @@
     <p:bg>
       <p:bgPr>
         <a:blipFill dpi="0" rotWithShape="1">
-          <a:blip r:embed="rId11">
+          <a:blip r:embed="rId8">
             <a:lum/>
           </a:blip>
           <a:srcRect/>
@@ -2943,14 +2088,11 @@
   <p:clrMap bg1="lt1" tx1="dk1" bg2="lt2" tx2="dk2" accent1="accent1" accent2="accent2" accent3="accent3" accent4="accent4" accent5="accent5" accent6="accent6" hlink="hlink" folHlink="folHlink"/>
   <p:sldLayoutIdLst>
     <p:sldLayoutId id="2147483670" r:id="rId1"/>
-    <p:sldLayoutId id="2147483671" r:id="rId2"/>
-    <p:sldLayoutId id="2147483672" r:id="rId3"/>
-    <p:sldLayoutId id="2147483673" r:id="rId4"/>
-    <p:sldLayoutId id="2147483674" r:id="rId5"/>
-    <p:sldLayoutId id="2147483675" r:id="rId6"/>
-    <p:sldLayoutId id="2147483676" r:id="rId7"/>
-    <p:sldLayoutId id="2147483677" r:id="rId8"/>
-    <p:sldLayoutId id="2147483678" r:id="rId9"/>
+    <p:sldLayoutId id="2147483672" r:id="rId2"/>
+    <p:sldLayoutId id="2147483673" r:id="rId3"/>
+    <p:sldLayoutId id="2147483674" r:id="rId4"/>
+    <p:sldLayoutId id="2147483675" r:id="rId5"/>
+    <p:sldLayoutId id="2147483678" r:id="rId6"/>
   </p:sldLayoutIdLst>
   <p:hf hdr="0" ftr="0" dt="0"/>
   <p:txStyles>
@@ -3266,7 +2408,7 @@
 </p:sld>
 </file>
 
-<file path=ppt/slides/slide2.xml><?xml version="1.0" encoding="utf-8"?>
+<file path=ppt/slides/slide10.xml><?xml version="1.0" encoding="utf-8"?>
 <p:sld xmlns:a="http://schemas.openxmlformats.org/drawingml/2006/main" xmlns:r="http://schemas.openxmlformats.org/officeDocument/2006/relationships" xmlns:p="http://schemas.openxmlformats.org/presentationml/2006/main">
   <p:cSld>
     <p:spTree>
@@ -3285,10 +2427,10 @@
       </p:grpSpPr>
       <p:sp>
         <p:nvSpPr>
-          <p:cNvPr id="2" name="Title 1">
+          <p:cNvPr id="2" name="Slide Number Placeholder 1">
             <a:extLst>
               <a:ext uri="{FF2B5EF4-FFF2-40B4-BE49-F238E27FC236}">
-                <a16:creationId xmlns:a16="http://schemas.microsoft.com/office/drawing/2014/main" id="{B88898E0-30FF-4956-A658-42E15A83164B}"/>
+                <a16:creationId xmlns:a16="http://schemas.microsoft.com/office/drawing/2014/main" id="{9E9CAB07-B0CD-4712-9734-2D3CBC72598C}"/>
               </a:ext>
             </a:extLst>
           </p:cNvPr>
@@ -3296,7 +2438,7 @@
             <a:spLocks noGrp="1"/>
           </p:cNvSpPr>
           <p:nvPr>
-            <p:ph type="title"/>
+            <p:ph type="sldNum" sz="quarter" idx="12"/>
           </p:nvPr>
         </p:nvSpPr>
         <p:spPr/>
@@ -3304,14 +2446,100 @@
           <a:bodyPr/>
           <a:lstStyle/>
           <a:p>
-            <a:endParaRPr lang="en-US"/>
+            <a:fld id="{9EA0BE3B-158A-4EDF-80DC-E394A0D1600F}" type="slidenum">
+              <a:rPr lang="en-US" smtClean="0"/>
+              <a:pPr/>
+              <a:t>10</a:t>
+            </a:fld>
+            <a:endParaRPr lang="en-US" dirty="0"/>
+          </a:p>
+        </p:txBody>
+      </p:sp>
+      <p:sp>
+        <p:nvSpPr>
+          <p:cNvPr id="3" name="Title 2">
+            <a:extLst>
+              <a:ext uri="{FF2B5EF4-FFF2-40B4-BE49-F238E27FC236}">
+                <a16:creationId xmlns:a16="http://schemas.microsoft.com/office/drawing/2014/main" id="{F39C6F49-1887-4BE4-A583-FB79B8A22935}"/>
+              </a:ext>
+            </a:extLst>
+          </p:cNvPr>
+          <p:cNvSpPr>
+            <a:spLocks noGrp="1"/>
+          </p:cNvSpPr>
+          <p:nvPr>
+            <p:ph type="title"/>
+          </p:nvPr>
+        </p:nvSpPr>
+        <p:spPr/>
+        <p:txBody>
+          <a:bodyPr/>
+          <a:lstStyle/>
+          <a:p>
+            <a:r>
+              <a:rPr lang="vi-VN" dirty="0"/>
+              <a:t>Lời cảm ơn</a:t>
+            </a:r>
+            <a:endParaRPr lang="vi-VN" b="1" dirty="0"/>
+          </a:p>
+        </p:txBody>
+      </p:sp>
+      <p:sp>
+        <p:nvSpPr>
+          <p:cNvPr id="4" name="Text Placeholder 3">
+            <a:extLst>
+              <a:ext uri="{FF2B5EF4-FFF2-40B4-BE49-F238E27FC236}">
+                <a16:creationId xmlns:a16="http://schemas.microsoft.com/office/drawing/2014/main" id="{BC311219-8684-45FC-A126-E067924AC7F7}"/>
+              </a:ext>
+            </a:extLst>
+          </p:cNvPr>
+          <p:cNvSpPr>
+            <a:spLocks noGrp="1"/>
+          </p:cNvSpPr>
+          <p:nvPr>
+            <p:ph type="body" sz="quarter" idx="13"/>
+          </p:nvPr>
+        </p:nvSpPr>
+        <p:spPr/>
+        <p:txBody>
+          <a:bodyPr/>
+          <a:lstStyle/>
+          <a:p>
+            <a:pPr>
+              <a:buFont typeface="Arial" panose="020B0604020202020204" pitchFamily="34" charset="0"/>
+              <a:buChar char="•"/>
+            </a:pPr>
+            <a:r>
+              <a:rPr lang="vi-VN" dirty="0"/>
+              <a:t>Cảm ơn giảng viên hướng dẫn đã tận tình chỉ bảo.</a:t>
+            </a:r>
+          </a:p>
+          <a:p>
+            <a:pPr>
+              <a:buFont typeface="Arial" panose="020B0604020202020204" pitchFamily="34" charset="0"/>
+              <a:buChar char="•"/>
+            </a:pPr>
+            <a:r>
+              <a:rPr lang="vi-VN" dirty="0"/>
+              <a:t>Cảm ơn các thành viên trong nhóm đã cùng nhau hoàn thành dự án.</a:t>
+            </a:r>
+          </a:p>
+          <a:p>
+            <a:pPr>
+              <a:buFont typeface="Arial" panose="020B0604020202020204" pitchFamily="34" charset="0"/>
+              <a:buChar char="•"/>
+            </a:pPr>
+            <a:r>
+              <a:rPr lang="vi-VN" dirty="0"/>
+              <a:t>Cảm ơn quý thầy cô và các bạn đã lắng nghe bài thuyết trình.</a:t>
+            </a:r>
           </a:p>
         </p:txBody>
       </p:sp>
     </p:spTree>
     <p:extLst>
       <p:ext uri="{BB962C8B-B14F-4D97-AF65-F5344CB8AC3E}">
-        <p14:creationId xmlns:p14="http://schemas.microsoft.com/office/powerpoint/2010/main" val="1850899118"/>
+        <p14:creationId xmlns:p14="http://schemas.microsoft.com/office/powerpoint/2010/main" val="844903567"/>
       </p:ext>
     </p:extLst>
   </p:cSld>
@@ -3321,7 +2549,119 @@
 </p:sld>
 </file>
 
-<file path=ppt/slides/slide3.xml><?xml version="1.0" encoding="utf-8"?>
+<file path=ppt/slides/slide11.xml><?xml version="1.0" encoding="utf-8"?>
+<p:sld xmlns:a="http://schemas.openxmlformats.org/drawingml/2006/main" xmlns:r="http://schemas.openxmlformats.org/officeDocument/2006/relationships" xmlns:p="http://schemas.openxmlformats.org/presentationml/2006/main">
+  <p:cSld>
+    <p:spTree>
+      <p:nvGrpSpPr>
+        <p:cNvPr id="1" name=""/>
+        <p:cNvGrpSpPr/>
+        <p:nvPr/>
+      </p:nvGrpSpPr>
+      <p:grpSpPr>
+        <a:xfrm>
+          <a:off x="0" y="0"/>
+          <a:ext cx="0" cy="0"/>
+          <a:chOff x="0" y="0"/>
+          <a:chExt cx="0" cy="0"/>
+        </a:xfrm>
+      </p:grpSpPr>
+      <p:sp>
+        <p:nvSpPr>
+          <p:cNvPr id="2" name="Slide Number Placeholder 1">
+            <a:extLst>
+              <a:ext uri="{FF2B5EF4-FFF2-40B4-BE49-F238E27FC236}">
+                <a16:creationId xmlns:a16="http://schemas.microsoft.com/office/drawing/2014/main" id="{DA37B5C8-2095-4D2D-97FE-E4E8D89379E1}"/>
+              </a:ext>
+            </a:extLst>
+          </p:cNvPr>
+          <p:cNvSpPr>
+            <a:spLocks noGrp="1"/>
+          </p:cNvSpPr>
+          <p:nvPr>
+            <p:ph type="sldNum" sz="quarter" idx="12"/>
+          </p:nvPr>
+        </p:nvSpPr>
+        <p:spPr/>
+        <p:txBody>
+          <a:bodyPr/>
+          <a:lstStyle/>
+          <a:p>
+            <a:fld id="{9EA0BE3B-158A-4EDF-80DC-E394A0D1600F}" type="slidenum">
+              <a:rPr lang="en-US" smtClean="0"/>
+              <a:pPr/>
+              <a:t>11</a:t>
+            </a:fld>
+            <a:endParaRPr lang="en-US" dirty="0"/>
+          </a:p>
+        </p:txBody>
+      </p:sp>
+      <p:sp>
+        <p:nvSpPr>
+          <p:cNvPr id="3" name="Title 10">
+            <a:extLst>
+              <a:ext uri="{FF2B5EF4-FFF2-40B4-BE49-F238E27FC236}">
+                <a16:creationId xmlns:a16="http://schemas.microsoft.com/office/drawing/2014/main" id="{F78B3876-6ECC-4098-BDD1-C48CE4B42721}"/>
+              </a:ext>
+            </a:extLst>
+          </p:cNvPr>
+          <p:cNvSpPr txBox="1">
+            <a:spLocks/>
+          </p:cNvSpPr>
+          <p:nvPr/>
+        </p:nvSpPr>
+        <p:spPr>
+          <a:xfrm>
+            <a:off x="4181094" y="3021991"/>
+            <a:ext cx="4197975" cy="814017"/>
+          </a:xfrm>
+          <a:prstGeom prst="rect">
+            <a:avLst/>
+          </a:prstGeom>
+        </p:spPr>
+        <p:txBody>
+          <a:bodyPr/>
+          <a:lstStyle>
+            <a:lvl1pPr algn="l" defTabSz="914400" rtl="0" eaLnBrk="1" latinLnBrk="0" hangingPunct="1">
+              <a:lnSpc>
+                <a:spcPct val="90000"/>
+              </a:lnSpc>
+              <a:spcBef>
+                <a:spcPct val="0"/>
+              </a:spcBef>
+              <a:buNone/>
+              <a:defRPr sz="6000" b="1" kern="1200">
+                <a:solidFill>
+                  <a:srgbClr val="C00000"/>
+                </a:solidFill>
+                <a:latin typeface="Lato" panose="020F0502020204030203" pitchFamily="34" charset="0"/>
+                <a:ea typeface="Lato" panose="020F0502020204030203" pitchFamily="34" charset="0"/>
+                <a:cs typeface="Lato" panose="020F0502020204030203" pitchFamily="34" charset="0"/>
+              </a:defRPr>
+            </a:lvl1pPr>
+          </a:lstStyle>
+          <a:p>
+            <a:r>
+              <a:rPr lang="en-US" sz="4800" dirty="0"/>
+              <a:t>THANK YOU !</a:t>
+            </a:r>
+          </a:p>
+        </p:txBody>
+      </p:sp>
+    </p:spTree>
+    <p:extLst>
+      <p:ext uri="{BB962C8B-B14F-4D97-AF65-F5344CB8AC3E}">
+        <p14:creationId xmlns:p14="http://schemas.microsoft.com/office/powerpoint/2010/main" val="2830535683"/>
+      </p:ext>
+    </p:extLst>
+  </p:cSld>
+  <p:clrMapOvr>
+    <a:masterClrMapping/>
+  </p:clrMapOvr>
+</p:sld>
+</file>
+
+<file path=ppt/slides/slide2.xml><?xml version="1.0" encoding="utf-8"?>
 <p:sld xmlns:a="http://schemas.openxmlformats.org/drawingml/2006/main" xmlns:r="http://schemas.openxmlformats.org/officeDocument/2006/relationships" xmlns:p="http://schemas.openxmlformats.org/presentationml/2006/main">
   <p:cSld>
     <p:spTree>
@@ -3390,7 +2730,7 @@
         </p:nvSpPr>
         <p:spPr>
           <a:xfrm>
-            <a:off x="413012" y="2421636"/>
+            <a:off x="413012" y="1801150"/>
             <a:ext cx="7342482" cy="848792"/>
           </a:xfrm>
           <a:prstGeom prst="rect">
@@ -3420,9 +2760,66 @@
           </a:lstStyle>
           <a:p>
             <a:r>
-              <a:rPr lang="en-US" dirty="0"/>
-              <a:t>PRESENTATION TITLE</a:t>
-            </a:r>
+              <a:rPr lang="en-US" sz="4000" dirty="0" err="1"/>
+              <a:t>Xây</a:t>
+            </a:r>
+            <a:r>
+              <a:rPr lang="en-US" sz="4000" dirty="0"/>
+              <a:t> </a:t>
+            </a:r>
+            <a:r>
+              <a:rPr lang="en-US" sz="4000" dirty="0" err="1"/>
+              <a:t>dựng</a:t>
+            </a:r>
+            <a:r>
+              <a:rPr lang="en-US" sz="4000" dirty="0"/>
+              <a:t> website </a:t>
+            </a:r>
+            <a:r>
+              <a:rPr lang="en-US" sz="4000" dirty="0" err="1"/>
+              <a:t>bán</a:t>
+            </a:r>
+            <a:r>
+              <a:rPr lang="en-US" sz="4000" dirty="0"/>
+              <a:t> </a:t>
+            </a:r>
+            <a:r>
+              <a:rPr lang="en-US" sz="4000" dirty="0" err="1"/>
+              <a:t>hàng</a:t>
+            </a:r>
+            <a:r>
+              <a:rPr lang="en-US" sz="4000" dirty="0"/>
+              <a:t> </a:t>
+            </a:r>
+            <a:r>
+              <a:rPr lang="en-US" sz="4000" dirty="0" err="1"/>
+              <a:t>thời</a:t>
+            </a:r>
+            <a:r>
+              <a:rPr lang="en-US" sz="4000" dirty="0"/>
+              <a:t> </a:t>
+            </a:r>
+            <a:r>
+              <a:rPr lang="en-US" sz="4000" dirty="0" err="1"/>
+              <a:t>trang</a:t>
+            </a:r>
+            <a:r>
+              <a:rPr lang="en-US" sz="4000" dirty="0"/>
+              <a:t> </a:t>
+            </a:r>
+            <a:r>
+              <a:rPr lang="en-US" sz="4000" dirty="0" err="1"/>
+              <a:t>Dáng</a:t>
+            </a:r>
+            <a:r>
+              <a:rPr lang="en-US" sz="4000" dirty="0"/>
+              <a:t> </a:t>
+            </a:r>
+            <a:r>
+              <a:rPr lang="en-US" sz="4000" dirty="0" err="1"/>
+              <a:t>Việt</a:t>
+            </a:r>
+            <a:endParaRPr lang="en-US" sz="4000" dirty="0"/>
           </a:p>
         </p:txBody>
       </p:sp>
@@ -3442,8 +2839,8 @@
         </p:nvSpPr>
         <p:spPr>
           <a:xfrm>
-            <a:off x="413012" y="3567622"/>
-            <a:ext cx="7342482" cy="848793"/>
+            <a:off x="430920" y="3063613"/>
+            <a:ext cx="5116931" cy="2288892"/>
           </a:xfrm>
           <a:prstGeom prst="rect">
             <a:avLst/>
@@ -3472,24 +2869,178 @@
           </a:lstStyle>
           <a:p>
             <a:r>
-              <a:rPr lang="en-US" sz="2800" b="0" dirty="0"/>
-              <a:t>SUBTITLE. SUBTITLE. SUBTITLE.</a:t>
-            </a:r>
-          </a:p>
-          <a:p>
-            <a:r>
-              <a:rPr lang="en-US" sz="2800" b="0" dirty="0"/>
-              <a:t>SUBTITLE. SUBTITLE.</a:t>
-            </a:r>
-          </a:p>
-          <a:p>
-            <a:endParaRPr lang="en-US" sz="2800" b="0" dirty="0"/>
-          </a:p>
-          <a:p>
-            <a:endParaRPr lang="en-US" sz="2800" b="0" dirty="0"/>
-          </a:p>
-          <a:p>
-            <a:endParaRPr lang="en-US" sz="2800" b="0" dirty="0"/>
+              <a:rPr lang="en-US" sz="2000" b="0" dirty="0" err="1"/>
+              <a:t>Môn</a:t>
+            </a:r>
+            <a:r>
+              <a:rPr lang="en-US" sz="2000" b="0" dirty="0"/>
+              <a:t> </a:t>
+            </a:r>
+            <a:r>
+              <a:rPr lang="en-US" sz="2000" b="0" dirty="0" err="1"/>
+              <a:t>học</a:t>
+            </a:r>
+            <a:r>
+              <a:rPr lang="en-US" sz="2000" b="0" dirty="0"/>
+              <a:t>: Project 1</a:t>
+            </a:r>
+            <a:br>
+              <a:rPr lang="en-US" sz="2000" b="0" dirty="0"/>
+            </a:br>
+            <a:r>
+              <a:rPr lang="en-US" sz="2000" b="0" dirty="0" err="1"/>
+              <a:t>Thành</a:t>
+            </a:r>
+            <a:r>
+              <a:rPr lang="en-US" sz="2000" b="0" dirty="0"/>
+              <a:t> </a:t>
+            </a:r>
+            <a:r>
+              <a:rPr lang="en-US" sz="2000" b="0" dirty="0" err="1"/>
+              <a:t>viên</a:t>
+            </a:r>
+            <a:r>
+              <a:rPr lang="en-US" sz="2000" b="0" dirty="0"/>
+              <a:t> </a:t>
+            </a:r>
+            <a:r>
+              <a:rPr lang="en-US" sz="2000" b="0" dirty="0" err="1"/>
+              <a:t>nhóm</a:t>
+            </a:r>
+            <a:r>
+              <a:rPr lang="en-US" sz="2000" b="0" dirty="0"/>
+              <a:t>: </a:t>
+            </a:r>
+          </a:p>
+          <a:p>
+            <a:r>
+              <a:rPr lang="en-US" sz="2000" b="0" dirty="0"/>
+              <a:t>	</a:t>
+            </a:r>
+            <a:r>
+              <a:rPr lang="en-US" sz="2000" b="0" dirty="0" err="1"/>
+              <a:t>Nguyễn</a:t>
+            </a:r>
+            <a:r>
+              <a:rPr lang="en-US" sz="2000" b="0" dirty="0"/>
+              <a:t> </a:t>
+            </a:r>
+            <a:r>
+              <a:rPr lang="en-US" sz="2000" b="0" dirty="0" err="1"/>
+              <a:t>Huỳnh</a:t>
+            </a:r>
+            <a:r>
+              <a:rPr lang="en-US" sz="2000" b="0" dirty="0"/>
+              <a:t> </a:t>
+            </a:r>
+            <a:r>
+              <a:rPr lang="en-US" sz="2000" b="0" dirty="0" err="1"/>
+              <a:t>Đức</a:t>
+            </a:r>
+            <a:endParaRPr lang="en-US" sz="2000" b="0" dirty="0"/>
+          </a:p>
+          <a:p>
+            <a:r>
+              <a:rPr lang="en-US" sz="2000" b="0" dirty="0"/>
+              <a:t>	</a:t>
+            </a:r>
+            <a:r>
+              <a:rPr lang="en-US" sz="2000" b="0" dirty="0" err="1"/>
+              <a:t>Hàn</a:t>
+            </a:r>
+            <a:r>
+              <a:rPr lang="en-US" sz="2000" b="0" dirty="0"/>
+              <a:t> Minh </a:t>
+            </a:r>
+            <a:r>
+              <a:rPr lang="en-US" sz="2000" b="0" dirty="0" err="1"/>
+              <a:t>Hoà</a:t>
+            </a:r>
+            <a:endParaRPr lang="en-US" sz="2000" b="0" dirty="0"/>
+          </a:p>
+          <a:p>
+            <a:r>
+              <a:rPr lang="en-US" sz="2000" b="0" dirty="0"/>
+              <a:t>	</a:t>
+            </a:r>
+            <a:r>
+              <a:rPr lang="en-US" sz="2000" b="0" dirty="0" err="1"/>
+              <a:t>Nguyễn</a:t>
+            </a:r>
+            <a:r>
+              <a:rPr lang="en-US" sz="2000" b="0" dirty="0"/>
+              <a:t> Thanh </a:t>
+            </a:r>
+            <a:r>
+              <a:rPr lang="en-US" sz="2000" b="0" dirty="0" err="1"/>
+              <a:t>Hà</a:t>
+            </a:r>
+            <a:endParaRPr lang="en-US" sz="2000" b="0" dirty="0"/>
+          </a:p>
+          <a:p>
+            <a:br>
+              <a:rPr lang="en-US" sz="2000" b="0" dirty="0"/>
+            </a:br>
+            <a:r>
+              <a:rPr lang="en-US" sz="2000" b="0" dirty="0" err="1"/>
+              <a:t>Giáo</a:t>
+            </a:r>
+            <a:r>
+              <a:rPr lang="en-US" sz="2000" b="0" dirty="0"/>
+              <a:t> </a:t>
+            </a:r>
+            <a:r>
+              <a:rPr lang="en-US" sz="2000" b="0" dirty="0" err="1"/>
+              <a:t>viên</a:t>
+            </a:r>
+            <a:r>
+              <a:rPr lang="en-US" sz="2000" b="0" dirty="0"/>
+              <a:t> </a:t>
+            </a:r>
+            <a:r>
+              <a:rPr lang="en-US" sz="2000" b="0" dirty="0" err="1"/>
+              <a:t>hướng</a:t>
+            </a:r>
+            <a:r>
+              <a:rPr lang="en-US" sz="2000" b="0" dirty="0"/>
+              <a:t> </a:t>
+            </a:r>
+            <a:r>
+              <a:rPr lang="en-US" sz="2000" b="0" dirty="0" err="1"/>
+              <a:t>dẫn</a:t>
+            </a:r>
+            <a:r>
+              <a:rPr lang="en-US" sz="2000" b="0" dirty="0"/>
+              <a:t>: </a:t>
+            </a:r>
+            <a:r>
+              <a:rPr lang="en-US" sz="2000" b="0" dirty="0" err="1"/>
+              <a:t>ThS</a:t>
+            </a:r>
+            <a:r>
+              <a:rPr lang="en-US" sz="2000" b="0" dirty="0"/>
+              <a:t>. </a:t>
+            </a:r>
+            <a:r>
+              <a:rPr lang="en-US" sz="2000" b="0" dirty="0" err="1"/>
+              <a:t>Nhữ</a:t>
+            </a:r>
+            <a:r>
+              <a:rPr lang="en-US" sz="2000" b="0" dirty="0"/>
+              <a:t> </a:t>
+            </a:r>
+            <a:r>
+              <a:rPr lang="en-US" sz="2000" b="0" dirty="0" err="1"/>
+              <a:t>Thị</a:t>
+            </a:r>
+            <a:r>
+              <a:rPr lang="en-US" sz="2000" b="0" dirty="0"/>
+              <a:t> Nga</a:t>
+            </a:r>
+            <a:br>
+              <a:rPr lang="en-US" sz="2000" b="0" dirty="0"/>
+            </a:br>
+            <a:endParaRPr lang="en-US" sz="2000" b="0" dirty="0"/>
           </a:p>
         </p:txBody>
       </p:sp>
@@ -3497,6 +3048,235 @@
     <p:extLst>
       <p:ext uri="{BB962C8B-B14F-4D97-AF65-F5344CB8AC3E}">
         <p14:creationId xmlns:p14="http://schemas.microsoft.com/office/powerpoint/2010/main" val="743172911"/>
+      </p:ext>
+    </p:extLst>
+  </p:cSld>
+  <p:clrMapOvr>
+    <a:masterClrMapping/>
+  </p:clrMapOvr>
+</p:sld>
+</file>
+
+<file path=ppt/slides/slide3.xml><?xml version="1.0" encoding="utf-8"?>
+<p:sld xmlns:a="http://schemas.openxmlformats.org/drawingml/2006/main" xmlns:r="http://schemas.openxmlformats.org/officeDocument/2006/relationships" xmlns:p="http://schemas.openxmlformats.org/presentationml/2006/main">
+  <p:cSld>
+    <p:spTree>
+      <p:nvGrpSpPr>
+        <p:cNvPr id="1" name=""/>
+        <p:cNvGrpSpPr/>
+        <p:nvPr/>
+      </p:nvGrpSpPr>
+      <p:grpSpPr>
+        <a:xfrm>
+          <a:off x="0" y="0"/>
+          <a:ext cx="0" cy="0"/>
+          <a:chOff x="0" y="0"/>
+          <a:chExt cx="0" cy="0"/>
+        </a:xfrm>
+      </p:grpSpPr>
+      <p:sp>
+        <p:nvSpPr>
+          <p:cNvPr id="2" name="Slide Number Placeholder 1">
+            <a:extLst>
+              <a:ext uri="{FF2B5EF4-FFF2-40B4-BE49-F238E27FC236}">
+                <a16:creationId xmlns:a16="http://schemas.microsoft.com/office/drawing/2014/main" id="{A7101F79-2CBF-4392-B538-B0B5700DB4C6}"/>
+              </a:ext>
+            </a:extLst>
+          </p:cNvPr>
+          <p:cNvSpPr>
+            <a:spLocks noGrp="1"/>
+          </p:cNvSpPr>
+          <p:nvPr>
+            <p:ph type="sldNum" sz="quarter" idx="12"/>
+          </p:nvPr>
+        </p:nvSpPr>
+        <p:spPr/>
+        <p:txBody>
+          <a:bodyPr/>
+          <a:lstStyle/>
+          <a:p>
+            <a:fld id="{9EA0BE3B-158A-4EDF-80DC-E394A0D1600F}" type="slidenum">
+              <a:rPr lang="en-US" smtClean="0"/>
+              <a:pPr/>
+              <a:t>3</a:t>
+            </a:fld>
+            <a:endParaRPr lang="en-US" dirty="0"/>
+          </a:p>
+        </p:txBody>
+      </p:sp>
+      <p:sp>
+        <p:nvSpPr>
+          <p:cNvPr id="3" name="Title 2">
+            <a:extLst>
+              <a:ext uri="{FF2B5EF4-FFF2-40B4-BE49-F238E27FC236}">
+                <a16:creationId xmlns:a16="http://schemas.microsoft.com/office/drawing/2014/main" id="{9EF27CAA-32BA-4E6B-B8C0-1A481E08E81D}"/>
+              </a:ext>
+            </a:extLst>
+          </p:cNvPr>
+          <p:cNvSpPr>
+            <a:spLocks noGrp="1"/>
+          </p:cNvSpPr>
+          <p:nvPr>
+            <p:ph type="title"/>
+          </p:nvPr>
+        </p:nvSpPr>
+        <p:spPr/>
+        <p:txBody>
+          <a:bodyPr/>
+          <a:lstStyle/>
+          <a:p>
+            <a:r>
+              <a:rPr lang="en-US" dirty="0" err="1"/>
+              <a:t>Lý</a:t>
+            </a:r>
+            <a:r>
+              <a:rPr lang="en-US" dirty="0"/>
+              <a:t> do </a:t>
+            </a:r>
+            <a:r>
+              <a:rPr lang="en-US" dirty="0" err="1"/>
+              <a:t>chọn</a:t>
+            </a:r>
+            <a:r>
+              <a:rPr lang="en-US" dirty="0"/>
+              <a:t> </a:t>
+            </a:r>
+            <a:r>
+              <a:rPr lang="en-US" dirty="0" err="1"/>
+              <a:t>đề</a:t>
+            </a:r>
+            <a:r>
+              <a:rPr lang="en-US" dirty="0"/>
+              <a:t> </a:t>
+            </a:r>
+            <a:r>
+              <a:rPr lang="en-US" dirty="0" err="1"/>
+              <a:t>tài</a:t>
+            </a:r>
+            <a:r>
+              <a:rPr lang="en-US" dirty="0"/>
+              <a:t> &amp; </a:t>
+            </a:r>
+            <a:r>
+              <a:rPr lang="en-US" dirty="0" err="1"/>
+              <a:t>Mục</a:t>
+            </a:r>
+            <a:r>
+              <a:rPr lang="en-US" dirty="0"/>
+              <a:t> </a:t>
+            </a:r>
+            <a:r>
+              <a:rPr lang="en-US" dirty="0" err="1"/>
+              <a:t>tiêu</a:t>
+            </a:r>
+            <a:endParaRPr lang="en-US" dirty="0"/>
+          </a:p>
+        </p:txBody>
+      </p:sp>
+      <p:sp>
+        <p:nvSpPr>
+          <p:cNvPr id="4" name="Content Placeholder 3">
+            <a:extLst>
+              <a:ext uri="{FF2B5EF4-FFF2-40B4-BE49-F238E27FC236}">
+                <a16:creationId xmlns:a16="http://schemas.microsoft.com/office/drawing/2014/main" id="{59563378-38F8-4CB3-AF99-2C56FCF55404}"/>
+              </a:ext>
+            </a:extLst>
+          </p:cNvPr>
+          <p:cNvSpPr>
+            <a:spLocks noGrp="1"/>
+          </p:cNvSpPr>
+          <p:nvPr>
+            <p:ph sz="quarter" idx="13"/>
+          </p:nvPr>
+        </p:nvSpPr>
+        <p:spPr/>
+        <p:txBody>
+          <a:bodyPr/>
+          <a:lstStyle/>
+          <a:p>
+            <a:pPr>
+              <a:buFont typeface="Arial" panose="020B0604020202020204" pitchFamily="34" charset="0"/>
+              <a:buChar char="•"/>
+            </a:pPr>
+            <a:r>
+              <a:rPr lang="vi-VN" b="1" dirty="0"/>
+              <a:t>Lý do chọn đề tài</a:t>
+            </a:r>
+            <a:r>
+              <a:rPr lang="vi-VN" dirty="0"/>
+              <a:t>:</a:t>
+            </a:r>
+          </a:p>
+          <a:p>
+            <a:pPr marL="742950" lvl="1" indent="-285750">
+              <a:buFont typeface="Arial" panose="020B0604020202020204" pitchFamily="34" charset="0"/>
+              <a:buChar char="•"/>
+            </a:pPr>
+            <a:r>
+              <a:rPr lang="vi-VN" dirty="0"/>
+              <a:t>Sự phát triển mạnh mẽ của thương mại điện tử.</a:t>
+            </a:r>
+          </a:p>
+          <a:p>
+            <a:pPr marL="742950" lvl="1" indent="-285750">
+              <a:buFont typeface="Arial" panose="020B0604020202020204" pitchFamily="34" charset="0"/>
+              <a:buChar char="•"/>
+            </a:pPr>
+            <a:r>
+              <a:rPr lang="vi-VN" dirty="0"/>
+              <a:t>Nhu cầu mua sắm thời trang trực tuyến ngày càng tăng.</a:t>
+            </a:r>
+          </a:p>
+          <a:p>
+            <a:pPr marL="742950" lvl="1" indent="-285750">
+              <a:buFont typeface="Arial" panose="020B0604020202020204" pitchFamily="34" charset="0"/>
+              <a:buChar char="•"/>
+            </a:pPr>
+            <a:r>
+              <a:rPr lang="vi-VN" dirty="0"/>
+              <a:t>Mong muốn xây dựng một nền tảng bán hàng chuyên nghiệp cho thương hiệu Dáng Việt.</a:t>
+            </a:r>
+          </a:p>
+          <a:p>
+            <a:pPr>
+              <a:buFont typeface="Arial" panose="020B0604020202020204" pitchFamily="34" charset="0"/>
+              <a:buChar char="•"/>
+            </a:pPr>
+            <a:r>
+              <a:rPr lang="vi-VN" b="1" dirty="0"/>
+              <a:t>Mục tiêu</a:t>
+            </a:r>
+            <a:r>
+              <a:rPr lang="vi-VN" dirty="0"/>
+              <a:t>:</a:t>
+            </a:r>
+          </a:p>
+          <a:p>
+            <a:pPr marL="742950" lvl="1" indent="-285750">
+              <a:buFont typeface="Arial" panose="020B0604020202020204" pitchFamily="34" charset="0"/>
+              <a:buChar char="•"/>
+            </a:pPr>
+            <a:r>
+              <a:rPr lang="vi-VN" dirty="0"/>
+              <a:t>Phát triển website bán hàng thời trang với giao diện thân thiện và dễ dàng sử dụng</a:t>
+            </a:r>
+          </a:p>
+          <a:p>
+            <a:pPr marL="742950" lvl="1" indent="-285750">
+              <a:buFont typeface="Arial" panose="020B0604020202020204" pitchFamily="34" charset="0"/>
+              <a:buChar char="•"/>
+            </a:pPr>
+            <a:r>
+              <a:rPr lang="vi-VN" dirty="0"/>
+              <a:t>Cung cấp đầy đủ chức năng: xem sản phẩm, giỏ hàng, thanh toán, liên hệ, đăng ký, đăng nhập có phân quyền, quản lý sản phẩm với quyền admin</a:t>
+            </a:r>
+          </a:p>
+        </p:txBody>
+      </p:sp>
+    </p:spTree>
+    <p:extLst>
+      <p:ext uri="{BB962C8B-B14F-4D97-AF65-F5344CB8AC3E}">
+        <p14:creationId xmlns:p14="http://schemas.microsoft.com/office/powerpoint/2010/main" val="292364014"/>
       </p:ext>
     </p:extLst>
   </p:cSld>
@@ -3525,10 +3305,10 @@
       </p:grpSpPr>
       <p:sp>
         <p:nvSpPr>
-          <p:cNvPr id="2" name="Slide Number Placeholder 1">
+          <p:cNvPr id="5" name="Slide Number Placeholder 4">
             <a:extLst>
               <a:ext uri="{FF2B5EF4-FFF2-40B4-BE49-F238E27FC236}">
-                <a16:creationId xmlns:a16="http://schemas.microsoft.com/office/drawing/2014/main" id="{A7101F79-2CBF-4392-B538-B0B5700DB4C6}"/>
+                <a16:creationId xmlns:a16="http://schemas.microsoft.com/office/drawing/2014/main" id="{3776946D-AB92-4D05-97ED-4EDF0AB0FF55}"/>
               </a:ext>
             </a:extLst>
           </p:cNvPr>
@@ -3539,7 +3319,15 @@
             <p:ph type="sldNum" sz="quarter" idx="12"/>
           </p:nvPr>
         </p:nvSpPr>
-        <p:spPr/>
+        <p:spPr>
+          <a:xfrm>
+            <a:off x="6867383" y="6492878"/>
+            <a:ext cx="2057400" cy="365125"/>
+          </a:xfrm>
+          <a:prstGeom prst="rect">
+            <a:avLst/>
+          </a:prstGeom>
+        </p:spPr>
         <p:txBody>
           <a:bodyPr/>
           <a:lstStyle/>
@@ -3549,16 +3337,16 @@
               <a:pPr/>
               <a:t>4</a:t>
             </a:fld>
-            <a:endParaRPr lang="en-US" dirty="0"/>
+            <a:endParaRPr lang="en-US"/>
           </a:p>
         </p:txBody>
       </p:sp>
       <p:sp>
         <p:nvSpPr>
-          <p:cNvPr id="3" name="Title 2">
+          <p:cNvPr id="2" name="Title 1">
             <a:extLst>
               <a:ext uri="{FF2B5EF4-FFF2-40B4-BE49-F238E27FC236}">
-                <a16:creationId xmlns:a16="http://schemas.microsoft.com/office/drawing/2014/main" id="{9EF27CAA-32BA-4E6B-B8C0-1A481E08E81D}"/>
+                <a16:creationId xmlns:a16="http://schemas.microsoft.com/office/drawing/2014/main" id="{4FB6CB3A-046A-4C56-A02D-DBF672421CAF}"/>
               </a:ext>
             </a:extLst>
           </p:cNvPr>
@@ -3569,21 +3357,73 @@
             <p:ph type="title"/>
           </p:nvPr>
         </p:nvSpPr>
-        <p:spPr/>
+        <p:spPr>
+          <a:xfrm>
+            <a:off x="254052" y="82063"/>
+            <a:ext cx="8635896" cy="436098"/>
+          </a:xfrm>
+          <a:prstGeom prst="rect">
+            <a:avLst/>
+          </a:prstGeom>
+        </p:spPr>
         <p:txBody>
           <a:bodyPr/>
           <a:lstStyle/>
           <a:p>
-            <a:endParaRPr lang="en-US"/>
+            <a:r>
+              <a:rPr lang="en-US" dirty="0" err="1"/>
+              <a:t>Công</a:t>
+            </a:r>
+            <a:r>
+              <a:rPr lang="en-US" dirty="0"/>
+              <a:t> </a:t>
+            </a:r>
+            <a:r>
+              <a:rPr lang="en-US" dirty="0" err="1"/>
+              <a:t>nghệ</a:t>
+            </a:r>
+            <a:r>
+              <a:rPr lang="en-US" dirty="0"/>
+              <a:t> &amp; </a:t>
+            </a:r>
+            <a:r>
+              <a:rPr lang="en-US" dirty="0" err="1"/>
+              <a:t>Công</a:t>
+            </a:r>
+            <a:r>
+              <a:rPr lang="en-US" dirty="0"/>
+              <a:t> </a:t>
+            </a:r>
+            <a:r>
+              <a:rPr lang="en-US" dirty="0" err="1"/>
+              <a:t>cụ</a:t>
+            </a:r>
+            <a:r>
+              <a:rPr lang="en-US" dirty="0"/>
+              <a:t> </a:t>
+            </a:r>
+            <a:r>
+              <a:rPr lang="en-US" dirty="0" err="1"/>
+              <a:t>sử</a:t>
+            </a:r>
+            <a:r>
+              <a:rPr lang="en-US" dirty="0"/>
+              <a:t> </a:t>
+            </a:r>
+            <a:r>
+              <a:rPr lang="en-US" dirty="0" err="1"/>
+              <a:t>dụng</a:t>
+            </a:r>
+            <a:endParaRPr lang="en-US" dirty="0"/>
           </a:p>
         </p:txBody>
       </p:sp>
       <p:sp>
         <p:nvSpPr>
-          <p:cNvPr id="4" name="Content Placeholder 3">
+          <p:cNvPr id="3" name="Chart Placeholder 2">
             <a:extLst>
               <a:ext uri="{FF2B5EF4-FFF2-40B4-BE49-F238E27FC236}">
-                <a16:creationId xmlns:a16="http://schemas.microsoft.com/office/drawing/2014/main" id="{59563378-38F8-4CB3-AF99-2C56FCF55404}"/>
+                <a16:creationId xmlns:a16="http://schemas.microsoft.com/office/drawing/2014/main" id="{C8196C5E-7B93-4E81-B617-CD97C06D6032}"/>
               </a:ext>
             </a:extLst>
           </p:cNvPr>
@@ -3591,22 +3431,316 @@
             <a:spLocks noGrp="1"/>
           </p:cNvSpPr>
           <p:nvPr>
-            <p:ph sz="quarter" idx="13"/>
+            <p:ph type="chart" sz="quarter" idx="4294967295"/>
           </p:nvPr>
         </p:nvSpPr>
-        <p:spPr/>
+        <p:spPr>
+          <a:xfrm>
+            <a:off x="336519" y="4484913"/>
+            <a:ext cx="4324350" cy="1577749"/>
+          </a:xfrm>
+          <a:prstGeom prst="rect">
+            <a:avLst/>
+          </a:prstGeom>
+        </p:spPr>
+      </p:sp>
+      <p:sp>
+        <p:nvSpPr>
+          <p:cNvPr id="4" name="Picture Placeholder 3">
+            <a:extLst>
+              <a:ext uri="{FF2B5EF4-FFF2-40B4-BE49-F238E27FC236}">
+                <a16:creationId xmlns:a16="http://schemas.microsoft.com/office/drawing/2014/main" id="{377CB842-AD15-4F5A-8EF5-EBD6CE5F54A3}"/>
+              </a:ext>
+            </a:extLst>
+          </p:cNvPr>
+          <p:cNvSpPr>
+            <a:spLocks noGrp="1"/>
+          </p:cNvSpPr>
+          <p:nvPr>
+            <p:ph type="pic" sz="quarter" idx="4294967295"/>
+          </p:nvPr>
+        </p:nvSpPr>
+        <p:spPr>
+          <a:xfrm>
+            <a:off x="4660869" y="4484913"/>
+            <a:ext cx="4083844" cy="1577993"/>
+          </a:xfrm>
+          <a:prstGeom prst="rect">
+            <a:avLst/>
+          </a:prstGeom>
+        </p:spPr>
+      </p:sp>
+      <p:sp>
+        <p:nvSpPr>
+          <p:cNvPr id="7" name="Content Placeholder 3">
+            <a:extLst>
+              <a:ext uri="{FF2B5EF4-FFF2-40B4-BE49-F238E27FC236}">
+                <a16:creationId xmlns:a16="http://schemas.microsoft.com/office/drawing/2014/main" id="{51C09058-F89D-9DA6-0CF6-4BFF53F186F2}"/>
+              </a:ext>
+            </a:extLst>
+          </p:cNvPr>
+          <p:cNvSpPr txBox="1">
+            <a:spLocks/>
+          </p:cNvSpPr>
+          <p:nvPr/>
+        </p:nvSpPr>
+        <p:spPr>
+          <a:xfrm>
+            <a:off x="406369" y="1189485"/>
+            <a:ext cx="8674100" cy="5303393"/>
+          </a:xfrm>
+          <a:prstGeom prst="rect">
+            <a:avLst/>
+          </a:prstGeom>
+        </p:spPr>
         <p:txBody>
           <a:bodyPr/>
-          <a:lstStyle/>
-          <a:p>
-            <a:endParaRPr lang="en-US"/>
+          <a:lstStyle>
+            <a:lvl1pPr marL="228600" indent="-228600" algn="l" defTabSz="914400" rtl="0" eaLnBrk="1" latinLnBrk="0" hangingPunct="1">
+              <a:lnSpc>
+                <a:spcPct val="90000"/>
+              </a:lnSpc>
+              <a:spcBef>
+                <a:spcPts val="1000"/>
+              </a:spcBef>
+              <a:buFont typeface="Arial" panose="020B0604020202020204" pitchFamily="34" charset="0"/>
+              <a:buChar char="•"/>
+              <a:defRPr sz="2800" kern="1200">
+                <a:solidFill>
+                  <a:schemeClr val="tx1"/>
+                </a:solidFill>
+                <a:latin typeface="+mn-lt"/>
+                <a:ea typeface="+mn-ea"/>
+                <a:cs typeface="+mn-cs"/>
+              </a:defRPr>
+            </a:lvl1pPr>
+            <a:lvl2pPr marL="685800" indent="-228600" algn="l" defTabSz="914400" rtl="0" eaLnBrk="1" latinLnBrk="0" hangingPunct="1">
+              <a:lnSpc>
+                <a:spcPct val="90000"/>
+              </a:lnSpc>
+              <a:spcBef>
+                <a:spcPts val="500"/>
+              </a:spcBef>
+              <a:buFont typeface="Arial" panose="020B0604020202020204" pitchFamily="34" charset="0"/>
+              <a:buChar char="•"/>
+              <a:defRPr sz="2400" kern="1200">
+                <a:solidFill>
+                  <a:schemeClr val="tx1"/>
+                </a:solidFill>
+                <a:latin typeface="+mn-lt"/>
+                <a:ea typeface="+mn-ea"/>
+                <a:cs typeface="+mn-cs"/>
+              </a:defRPr>
+            </a:lvl2pPr>
+            <a:lvl3pPr marL="1143000" indent="-228600" algn="l" defTabSz="914400" rtl="0" eaLnBrk="1" latinLnBrk="0" hangingPunct="1">
+              <a:lnSpc>
+                <a:spcPct val="90000"/>
+              </a:lnSpc>
+              <a:spcBef>
+                <a:spcPts val="500"/>
+              </a:spcBef>
+              <a:buFont typeface="Arial" panose="020B0604020202020204" pitchFamily="34" charset="0"/>
+              <a:buChar char="•"/>
+              <a:defRPr sz="2000" kern="1200">
+                <a:solidFill>
+                  <a:schemeClr val="tx1"/>
+                </a:solidFill>
+                <a:latin typeface="+mn-lt"/>
+                <a:ea typeface="+mn-ea"/>
+                <a:cs typeface="+mn-cs"/>
+              </a:defRPr>
+            </a:lvl3pPr>
+            <a:lvl4pPr marL="1600200" indent="-228600" algn="l" defTabSz="914400" rtl="0" eaLnBrk="1" latinLnBrk="0" hangingPunct="1">
+              <a:lnSpc>
+                <a:spcPct val="90000"/>
+              </a:lnSpc>
+              <a:spcBef>
+                <a:spcPts val="500"/>
+              </a:spcBef>
+              <a:buFont typeface="Arial" panose="020B0604020202020204" pitchFamily="34" charset="0"/>
+              <a:buChar char="•"/>
+              <a:defRPr sz="1800" kern="1200">
+                <a:solidFill>
+                  <a:schemeClr val="tx1"/>
+                </a:solidFill>
+                <a:latin typeface="+mn-lt"/>
+                <a:ea typeface="+mn-ea"/>
+                <a:cs typeface="+mn-cs"/>
+              </a:defRPr>
+            </a:lvl4pPr>
+            <a:lvl5pPr marL="2057400" indent="-228600" algn="l" defTabSz="914400" rtl="0" eaLnBrk="1" latinLnBrk="0" hangingPunct="1">
+              <a:lnSpc>
+                <a:spcPct val="90000"/>
+              </a:lnSpc>
+              <a:spcBef>
+                <a:spcPts val="500"/>
+              </a:spcBef>
+              <a:buFont typeface="Arial" panose="020B0604020202020204" pitchFamily="34" charset="0"/>
+              <a:buChar char="•"/>
+              <a:defRPr sz="1800" kern="1200">
+                <a:solidFill>
+                  <a:schemeClr val="tx1"/>
+                </a:solidFill>
+                <a:latin typeface="+mn-lt"/>
+                <a:ea typeface="+mn-ea"/>
+                <a:cs typeface="+mn-cs"/>
+              </a:defRPr>
+            </a:lvl5pPr>
+            <a:lvl6pPr marL="2514600" indent="-228600" algn="l" defTabSz="914400" rtl="0" eaLnBrk="1" latinLnBrk="0" hangingPunct="1">
+              <a:lnSpc>
+                <a:spcPct val="90000"/>
+              </a:lnSpc>
+              <a:spcBef>
+                <a:spcPts val="500"/>
+              </a:spcBef>
+              <a:buFont typeface="Arial" panose="020B0604020202020204" pitchFamily="34" charset="0"/>
+              <a:buChar char="•"/>
+              <a:defRPr sz="1800" kern="1200">
+                <a:solidFill>
+                  <a:schemeClr val="tx1"/>
+                </a:solidFill>
+                <a:latin typeface="+mn-lt"/>
+                <a:ea typeface="+mn-ea"/>
+                <a:cs typeface="+mn-cs"/>
+              </a:defRPr>
+            </a:lvl6pPr>
+            <a:lvl7pPr marL="2971800" indent="-228600" algn="l" defTabSz="914400" rtl="0" eaLnBrk="1" latinLnBrk="0" hangingPunct="1">
+              <a:lnSpc>
+                <a:spcPct val="90000"/>
+              </a:lnSpc>
+              <a:spcBef>
+                <a:spcPts val="500"/>
+              </a:spcBef>
+              <a:buFont typeface="Arial" panose="020B0604020202020204" pitchFamily="34" charset="0"/>
+              <a:buChar char="•"/>
+              <a:defRPr sz="1800" kern="1200">
+                <a:solidFill>
+                  <a:schemeClr val="tx1"/>
+                </a:solidFill>
+                <a:latin typeface="+mn-lt"/>
+                <a:ea typeface="+mn-ea"/>
+                <a:cs typeface="+mn-cs"/>
+              </a:defRPr>
+            </a:lvl7pPr>
+            <a:lvl8pPr marL="3429000" indent="-228600" algn="l" defTabSz="914400" rtl="0" eaLnBrk="1" latinLnBrk="0" hangingPunct="1">
+              <a:lnSpc>
+                <a:spcPct val="90000"/>
+              </a:lnSpc>
+              <a:spcBef>
+                <a:spcPts val="500"/>
+              </a:spcBef>
+              <a:buFont typeface="Arial" panose="020B0604020202020204" pitchFamily="34" charset="0"/>
+              <a:buChar char="•"/>
+              <a:defRPr sz="1800" kern="1200">
+                <a:solidFill>
+                  <a:schemeClr val="tx1"/>
+                </a:solidFill>
+                <a:latin typeface="+mn-lt"/>
+                <a:ea typeface="+mn-ea"/>
+                <a:cs typeface="+mn-cs"/>
+              </a:defRPr>
+            </a:lvl8pPr>
+            <a:lvl9pPr marL="3886200" indent="-228600" algn="l" defTabSz="914400" rtl="0" eaLnBrk="1" latinLnBrk="0" hangingPunct="1">
+              <a:lnSpc>
+                <a:spcPct val="90000"/>
+              </a:lnSpc>
+              <a:spcBef>
+                <a:spcPts val="500"/>
+              </a:spcBef>
+              <a:buFont typeface="Arial" panose="020B0604020202020204" pitchFamily="34" charset="0"/>
+              <a:buChar char="•"/>
+              <a:defRPr sz="1800" kern="1200">
+                <a:solidFill>
+                  <a:schemeClr val="tx1"/>
+                </a:solidFill>
+                <a:latin typeface="+mn-lt"/>
+                <a:ea typeface="+mn-ea"/>
+                <a:cs typeface="+mn-cs"/>
+              </a:defRPr>
+            </a:lvl9pPr>
+          </a:lstStyle>
+          <a:p>
+            <a:r>
+              <a:rPr lang="vi-VN" b="1" dirty="0"/>
+              <a:t>Ngôn ngữ lập trình</a:t>
+            </a:r>
+            <a:r>
+              <a:rPr lang="vi-VN" dirty="0"/>
+              <a:t>: </a:t>
+            </a:r>
+          </a:p>
+          <a:p>
+            <a:pPr marL="457200" lvl="1" indent="0">
+              <a:buNone/>
+            </a:pPr>
+            <a:r>
+              <a:rPr lang="vi-VN" dirty="0"/>
+              <a:t>- FE: HTML, CSS, JavaScript</a:t>
+            </a:r>
+            <a:br>
+              <a:rPr lang="vi-VN" dirty="0"/>
+            </a:br>
+            <a:r>
+              <a:rPr lang="vi-VN" dirty="0"/>
+              <a:t>- BE: JavaScript (Nodejs)</a:t>
+            </a:r>
+          </a:p>
+          <a:p>
+            <a:r>
+              <a:rPr lang="vi-VN" b="1" dirty="0"/>
+              <a:t>Công cụ phát triển</a:t>
+            </a:r>
+            <a:r>
+              <a:rPr lang="vi-VN" dirty="0"/>
+              <a:t>: Visual Studio Code</a:t>
+            </a:r>
+          </a:p>
+          <a:p>
+            <a:r>
+              <a:rPr lang="vi-VN" b="1" dirty="0"/>
+              <a:t>Công cụ quản lý mã nguồn</a:t>
+            </a:r>
+            <a:r>
+              <a:rPr lang="vi-VN" dirty="0"/>
+              <a:t>: Git</a:t>
+            </a:r>
+          </a:p>
+          <a:p>
+            <a:r>
+              <a:rPr lang="vi-VN" b="1" dirty="0"/>
+              <a:t>Hosting</a:t>
+            </a:r>
+            <a:r>
+              <a:rPr lang="vi-VN" dirty="0"/>
+              <a:t>:</a:t>
+            </a:r>
+          </a:p>
+          <a:p>
+            <a:pPr lvl="1">
+              <a:buFontTx/>
+              <a:buChar char="-"/>
+            </a:pPr>
+            <a:r>
+              <a:rPr lang="vi-VN" dirty="0"/>
+              <a:t>FE: Netlify</a:t>
+            </a:r>
+          </a:p>
+          <a:p>
+            <a:pPr lvl="1">
+              <a:buFontTx/>
+              <a:buChar char="-"/>
+            </a:pPr>
+            <a:r>
+              <a:rPr lang="vi-VN" dirty="0"/>
+              <a:t>BE: Render</a:t>
+            </a:r>
           </a:p>
         </p:txBody>
       </p:sp>
     </p:spTree>
     <p:extLst>
       <p:ext uri="{BB962C8B-B14F-4D97-AF65-F5344CB8AC3E}">
-        <p14:creationId xmlns:p14="http://schemas.microsoft.com/office/powerpoint/2010/main" val="292364014"/>
+        <p14:creationId xmlns:p14="http://schemas.microsoft.com/office/powerpoint/2010/main" val="64084651"/>
       </p:ext>
     </p:extLst>
   </p:cSld>
@@ -3635,10 +3769,10 @@
       </p:grpSpPr>
       <p:sp>
         <p:nvSpPr>
-          <p:cNvPr id="5" name="Slide Number Placeholder 4">
+          <p:cNvPr id="2" name="Slide Number Placeholder 1">
             <a:extLst>
               <a:ext uri="{FF2B5EF4-FFF2-40B4-BE49-F238E27FC236}">
-                <a16:creationId xmlns:a16="http://schemas.microsoft.com/office/drawing/2014/main" id="{3776946D-AB92-4D05-97ED-4EDF0AB0FF55}"/>
+                <a16:creationId xmlns:a16="http://schemas.microsoft.com/office/drawing/2014/main" id="{9E9CAB07-B0CD-4712-9734-2D3CBC72598C}"/>
               </a:ext>
             </a:extLst>
           </p:cNvPr>
@@ -3649,15 +3783,7 @@
             <p:ph type="sldNum" sz="quarter" idx="12"/>
           </p:nvPr>
         </p:nvSpPr>
-        <p:spPr>
-          <a:xfrm>
-            <a:off x="6867383" y="6492878"/>
-            <a:ext cx="2057400" cy="365125"/>
-          </a:xfrm>
-          <a:prstGeom prst="rect">
-            <a:avLst/>
-          </a:prstGeom>
-        </p:spPr>
+        <p:spPr/>
         <p:txBody>
           <a:bodyPr/>
           <a:lstStyle/>
@@ -3667,16 +3793,16 @@
               <a:pPr/>
               <a:t>5</a:t>
             </a:fld>
-            <a:endParaRPr lang="en-US"/>
+            <a:endParaRPr lang="en-US" dirty="0"/>
           </a:p>
         </p:txBody>
       </p:sp>
       <p:sp>
         <p:nvSpPr>
-          <p:cNvPr id="2" name="Title 1">
+          <p:cNvPr id="3" name="Title 2">
             <a:extLst>
               <a:ext uri="{FF2B5EF4-FFF2-40B4-BE49-F238E27FC236}">
-                <a16:creationId xmlns:a16="http://schemas.microsoft.com/office/drawing/2014/main" id="{4FB6CB3A-046A-4C56-A02D-DBF672421CAF}"/>
+                <a16:creationId xmlns:a16="http://schemas.microsoft.com/office/drawing/2014/main" id="{F39C6F49-1887-4BE4-A583-FB79B8A22935}"/>
               </a:ext>
             </a:extLst>
           </p:cNvPr>
@@ -3687,29 +3813,65 @@
             <p:ph type="title"/>
           </p:nvPr>
         </p:nvSpPr>
-        <p:spPr>
-          <a:xfrm>
-            <a:off x="254052" y="82063"/>
-            <a:ext cx="8635896" cy="436098"/>
-          </a:xfrm>
-          <a:prstGeom prst="rect">
-            <a:avLst/>
-          </a:prstGeom>
-        </p:spPr>
+        <p:spPr/>
         <p:txBody>
           <a:bodyPr/>
           <a:lstStyle/>
           <a:p>
-            <a:endParaRPr lang="en-US"/>
+            <a:r>
+              <a:rPr lang="en-US" dirty="0" err="1"/>
+              <a:t>Phân</a:t>
+            </a:r>
+            <a:r>
+              <a:rPr lang="en-US" dirty="0"/>
+              <a:t> </a:t>
+            </a:r>
+            <a:r>
+              <a:rPr lang="en-US" dirty="0" err="1"/>
+              <a:t>tích</a:t>
+            </a:r>
+            <a:r>
+              <a:rPr lang="en-US" dirty="0"/>
+              <a:t> &amp; </a:t>
+            </a:r>
+            <a:r>
+              <a:rPr lang="en-US" dirty="0" err="1"/>
+              <a:t>Thiết</a:t>
+            </a:r>
+            <a:r>
+              <a:rPr lang="en-US" dirty="0"/>
+              <a:t> </a:t>
+            </a:r>
+            <a:r>
+              <a:rPr lang="en-US" dirty="0" err="1"/>
+              <a:t>kế</a:t>
+            </a:r>
+            <a:r>
+              <a:rPr lang="en-US" dirty="0"/>
+              <a:t> </a:t>
+            </a:r>
+            <a:r>
+              <a:rPr lang="en-US" dirty="0" err="1"/>
+              <a:t>hệ</a:t>
+            </a:r>
+            <a:r>
+              <a:rPr lang="en-US" dirty="0"/>
+              <a:t> </a:t>
+            </a:r>
+            <a:r>
+              <a:rPr lang="en-US" dirty="0" err="1"/>
+              <a:t>thống</a:t>
+            </a:r>
+            <a:endParaRPr lang="en-US" dirty="0"/>
           </a:p>
         </p:txBody>
       </p:sp>
       <p:sp>
         <p:nvSpPr>
-          <p:cNvPr id="3" name="Chart Placeholder 2">
+          <p:cNvPr id="4" name="Text Placeholder 3">
             <a:extLst>
               <a:ext uri="{FF2B5EF4-FFF2-40B4-BE49-F238E27FC236}">
-                <a16:creationId xmlns:a16="http://schemas.microsoft.com/office/drawing/2014/main" id="{C8196C5E-7B93-4E81-B617-CD97C06D6032}"/>
+                <a16:creationId xmlns:a16="http://schemas.microsoft.com/office/drawing/2014/main" id="{BC311219-8684-45FC-A126-E067924AC7F7}"/>
               </a:ext>
             </a:extLst>
           </p:cNvPr>
@@ -3717,49 +3879,144 @@
             <a:spLocks noGrp="1"/>
           </p:cNvSpPr>
           <p:nvPr>
-            <p:ph type="chart" sz="quarter" idx="4294967295"/>
+            <p:ph type="body" sz="quarter" idx="13"/>
           </p:nvPr>
         </p:nvSpPr>
-        <p:spPr>
-          <a:xfrm>
-            <a:off x="247651" y="1406769"/>
-            <a:ext cx="4324350" cy="4655894"/>
-          </a:xfrm>
-          <a:prstGeom prst="rect">
-            <a:avLst/>
-          </a:prstGeom>
-        </p:spPr>
-      </p:sp>
-      <p:sp>
-        <p:nvSpPr>
-          <p:cNvPr id="4" name="Picture Placeholder 3">
-            <a:extLst>
-              <a:ext uri="{FF2B5EF4-FFF2-40B4-BE49-F238E27FC236}">
-                <a16:creationId xmlns:a16="http://schemas.microsoft.com/office/drawing/2014/main" id="{377CB842-AD15-4F5A-8EF5-EBD6CE5F54A3}"/>
-              </a:ext>
-            </a:extLst>
-          </p:cNvPr>
-          <p:cNvSpPr>
-            <a:spLocks noGrp="1"/>
-          </p:cNvSpPr>
-          <p:nvPr>
-            <p:ph type="pic" sz="quarter" idx="4294967295"/>
-          </p:nvPr>
-        </p:nvSpPr>
-        <p:spPr>
-          <a:xfrm>
-            <a:off x="4660869" y="1406769"/>
-            <a:ext cx="4083844" cy="4656137"/>
-          </a:xfrm>
-          <a:prstGeom prst="rect">
-            <a:avLst/>
-          </a:prstGeom>
-        </p:spPr>
+        <p:spPr/>
+        <p:txBody>
+          <a:bodyPr/>
+          <a:lstStyle/>
+          <a:p>
+            <a:pPr>
+              <a:buFont typeface="Arial" panose="020B0604020202020204" pitchFamily="34" charset="0"/>
+              <a:buChar char="•"/>
+            </a:pPr>
+            <a:r>
+              <a:rPr lang="vi-VN" b="1" dirty="0"/>
+              <a:t>Đối tượng người dùng</a:t>
+            </a:r>
+            <a:r>
+              <a:rPr lang="vi-VN" dirty="0"/>
+              <a:t>:</a:t>
+            </a:r>
+          </a:p>
+          <a:p>
+            <a:pPr marL="742950" lvl="1" indent="-285750">
+              <a:buFont typeface="Arial" panose="020B0604020202020204" pitchFamily="34" charset="0"/>
+              <a:buChar char="•"/>
+            </a:pPr>
+            <a:r>
+              <a:rPr lang="vi-VN" dirty="0"/>
+              <a:t>Khách hàng: xem sản phẩm, đặt hàng.</a:t>
+            </a:r>
+          </a:p>
+          <a:p>
+            <a:pPr marL="742950" lvl="1" indent="-285750">
+              <a:buFont typeface="Arial" panose="020B0604020202020204" pitchFamily="34" charset="0"/>
+              <a:buChar char="•"/>
+            </a:pPr>
+            <a:r>
+              <a:rPr lang="vi-VN" dirty="0"/>
+              <a:t>Quản trị viên: quản lý sản phẩm, đơn hàng.</a:t>
+            </a:r>
+          </a:p>
+          <a:p>
+            <a:pPr>
+              <a:buFont typeface="Arial" panose="020B0604020202020204" pitchFamily="34" charset="0"/>
+              <a:buChar char="•"/>
+            </a:pPr>
+            <a:r>
+              <a:rPr lang="vi-VN" b="1" dirty="0"/>
+              <a:t>Chức năng chính</a:t>
+            </a:r>
+            <a:r>
+              <a:rPr lang="vi-VN" dirty="0"/>
+              <a:t>:</a:t>
+            </a:r>
+          </a:p>
+          <a:p>
+            <a:pPr marL="742950" lvl="1" indent="-285750">
+              <a:buFont typeface="Arial" panose="020B0604020202020204" pitchFamily="34" charset="0"/>
+              <a:buChar char="•"/>
+            </a:pPr>
+            <a:r>
+              <a:rPr lang="vi-VN" dirty="0"/>
+              <a:t>Trang chủ: hiển thị sản phẩm nổi bật, thương hiệu hợp tác.</a:t>
+            </a:r>
+          </a:p>
+          <a:p>
+            <a:pPr marL="742950" lvl="1" indent="-285750">
+              <a:buFont typeface="Arial" panose="020B0604020202020204" pitchFamily="34" charset="0"/>
+              <a:buChar char="•"/>
+            </a:pPr>
+            <a:r>
+              <a:rPr lang="vi-VN" dirty="0"/>
+              <a:t>Danh mục sản phẩm: thời trang nam, nữ, trẻ em.</a:t>
+            </a:r>
+          </a:p>
+          <a:p>
+            <a:pPr marL="742950" lvl="1" indent="-285750">
+              <a:buFont typeface="Arial" panose="020B0604020202020204" pitchFamily="34" charset="0"/>
+              <a:buChar char="•"/>
+            </a:pPr>
+            <a:r>
+              <a:rPr lang="vi-VN" dirty="0"/>
+              <a:t>Chi tiết sản phẩm: hình ảnh, tên sản phẩm, giá cả, chất liệu, kích cỡ.</a:t>
+            </a:r>
+          </a:p>
+          <a:p>
+            <a:pPr marL="742950" lvl="1" indent="-285750">
+              <a:buFont typeface="Arial" panose="020B0604020202020204" pitchFamily="34" charset="0"/>
+              <a:buChar char="•"/>
+            </a:pPr>
+            <a:r>
+              <a:rPr lang="vi-VN" dirty="0"/>
+              <a:t>Giỏ hàng: thêm, xóa, cập nhật số lượng từng sản phẩm.</a:t>
+            </a:r>
+          </a:p>
+          <a:p>
+            <a:pPr marL="742950" lvl="1" indent="-285750">
+              <a:buFont typeface="Arial" panose="020B0604020202020204" pitchFamily="34" charset="0"/>
+              <a:buChar char="•"/>
+            </a:pPr>
+            <a:r>
+              <a:rPr lang="vi-VN" dirty="0"/>
+              <a:t>Thanh toán: nhập thông tin khách hàng, phương thức thanh toán.</a:t>
+            </a:r>
+          </a:p>
+          <a:p>
+            <a:pPr marL="742950" lvl="1" indent="-285750">
+              <a:buFont typeface="Arial" panose="020B0604020202020204" pitchFamily="34" charset="0"/>
+              <a:buChar char="•"/>
+            </a:pPr>
+            <a:r>
+              <a:rPr lang="vi-VN" dirty="0"/>
+              <a:t>Quản trị: thêm/sửa/xóa sản phẩm, xem đơn hàng.</a:t>
+            </a:r>
+          </a:p>
+          <a:p>
+            <a:pPr marL="742950" lvl="1" indent="-285750">
+              <a:buFont typeface="Arial" panose="020B0604020202020204" pitchFamily="34" charset="0"/>
+              <a:buChar char="•"/>
+            </a:pPr>
+            <a:r>
+              <a:rPr lang="vi-VN" dirty="0"/>
+              <a:t>Liên hệ: nhập thông tin khách hàng, nội dung liên hệ</a:t>
+            </a:r>
+            <a:endParaRPr lang="en-US" dirty="0"/>
+          </a:p>
+          <a:p>
+            <a:pPr marL="457200" lvl="1" indent="0">
+              <a:buNone/>
+            </a:pPr>
+            <a:endParaRPr lang="vi-VN" dirty="0"/>
+          </a:p>
+        </p:txBody>
       </p:sp>
     </p:spTree>
     <p:extLst>
       <p:ext uri="{BB962C8B-B14F-4D97-AF65-F5344CB8AC3E}">
-        <p14:creationId xmlns:p14="http://schemas.microsoft.com/office/powerpoint/2010/main" val="64084651"/>
+        <p14:creationId xmlns:p14="http://schemas.microsoft.com/office/powerpoint/2010/main" val="2751358436"/>
       </p:ext>
     </p:extLst>
   </p:cSld>
@@ -3837,7 +4094,51 @@
           <a:bodyPr/>
           <a:lstStyle/>
           <a:p>
-            <a:endParaRPr lang="en-US"/>
+            <a:r>
+              <a:rPr lang="en-US" dirty="0" err="1"/>
+              <a:t>Phân</a:t>
+            </a:r>
+            <a:r>
+              <a:rPr lang="en-US" dirty="0"/>
+              <a:t> </a:t>
+            </a:r>
+            <a:r>
+              <a:rPr lang="en-US" dirty="0" err="1"/>
+              <a:t>tích</a:t>
+            </a:r>
+            <a:r>
+              <a:rPr lang="en-US" dirty="0"/>
+              <a:t> &amp; </a:t>
+            </a:r>
+            <a:r>
+              <a:rPr lang="en-US" dirty="0" err="1"/>
+              <a:t>Thiết</a:t>
+            </a:r>
+            <a:r>
+              <a:rPr lang="en-US" dirty="0"/>
+              <a:t> </a:t>
+            </a:r>
+            <a:r>
+              <a:rPr lang="en-US" dirty="0" err="1"/>
+              <a:t>kế</a:t>
+            </a:r>
+            <a:r>
+              <a:rPr lang="en-US" dirty="0"/>
+              <a:t> </a:t>
+            </a:r>
+            <a:r>
+              <a:rPr lang="en-US" dirty="0" err="1"/>
+              <a:t>hệ</a:t>
+            </a:r>
+            <a:r>
+              <a:rPr lang="en-US" dirty="0"/>
+              <a:t> </a:t>
+            </a:r>
+            <a:r>
+              <a:rPr lang="en-US" dirty="0" err="1"/>
+              <a:t>thống</a:t>
+            </a:r>
+            <a:endParaRPr lang="en-US" dirty="0"/>
           </a:p>
         </p:txBody>
       </p:sp>
@@ -3862,14 +4163,25 @@
           <a:bodyPr/>
           <a:lstStyle/>
           <a:p>
-            <a:endParaRPr lang="en-US"/>
+            <a:pPr>
+              <a:buFont typeface="Arial" panose="020B0604020202020204" pitchFamily="34" charset="0"/>
+              <a:buChar char="•"/>
+            </a:pPr>
+            <a:r>
+              <a:rPr lang="vi-VN" b="1" dirty="0"/>
+              <a:t>Sơ đồ Use Case</a:t>
+            </a:r>
+            <a:r>
+              <a:rPr lang="vi-VN" dirty="0"/>
+              <a:t>: [Chèn sơ đồ minh họa các trường hợp sử dụng].</a:t>
+            </a:r>
           </a:p>
         </p:txBody>
       </p:sp>
     </p:spTree>
     <p:extLst>
       <p:ext uri="{BB962C8B-B14F-4D97-AF65-F5344CB8AC3E}">
-        <p14:creationId xmlns:p14="http://schemas.microsoft.com/office/powerpoint/2010/main" val="2751358436"/>
+        <p14:creationId xmlns:p14="http://schemas.microsoft.com/office/powerpoint/2010/main" val="2384030028"/>
       </p:ext>
     </p:extLst>
   </p:cSld>
@@ -3898,60 +4210,10 @@
       </p:grpSpPr>
       <p:sp>
         <p:nvSpPr>
-          <p:cNvPr id="2" name="Title 1">
+          <p:cNvPr id="2" name="Slide Number Placeholder 1">
             <a:extLst>
               <a:ext uri="{FF2B5EF4-FFF2-40B4-BE49-F238E27FC236}">
-                <a16:creationId xmlns:a16="http://schemas.microsoft.com/office/drawing/2014/main" id="{66CA7ECF-1792-4255-AF79-1338056A166B}"/>
-              </a:ext>
-            </a:extLst>
-          </p:cNvPr>
-          <p:cNvSpPr>
-            <a:spLocks noGrp="1"/>
-          </p:cNvSpPr>
-          <p:nvPr>
-            <p:ph type="title"/>
-          </p:nvPr>
-        </p:nvSpPr>
-        <p:spPr/>
-        <p:txBody>
-          <a:bodyPr/>
-          <a:lstStyle/>
-          <a:p>
-            <a:endParaRPr lang="en-US"/>
-          </a:p>
-        </p:txBody>
-      </p:sp>
-      <p:sp>
-        <p:nvSpPr>
-          <p:cNvPr id="3" name="Text Placeholder 2">
-            <a:extLst>
-              <a:ext uri="{FF2B5EF4-FFF2-40B4-BE49-F238E27FC236}">
-                <a16:creationId xmlns:a16="http://schemas.microsoft.com/office/drawing/2014/main" id="{387A365B-2C63-46A3-AD64-BA52831BEC40}"/>
-              </a:ext>
-            </a:extLst>
-          </p:cNvPr>
-          <p:cNvSpPr>
-            <a:spLocks noGrp="1"/>
-          </p:cNvSpPr>
-          <p:nvPr>
-            <p:ph type="body" sz="quarter" idx="13"/>
-          </p:nvPr>
-        </p:nvSpPr>
-        <p:spPr/>
-        <p:txBody>
-          <a:bodyPr/>
-          <a:lstStyle/>
-          <a:p>
-            <a:endParaRPr lang="en-US"/>
-          </a:p>
-        </p:txBody>
-      </p:sp>
-      <p:sp>
-        <p:nvSpPr>
-          <p:cNvPr id="4" name="Slide Number Placeholder 3">
-            <a:extLst>
-              <a:ext uri="{FF2B5EF4-FFF2-40B4-BE49-F238E27FC236}">
-                <a16:creationId xmlns:a16="http://schemas.microsoft.com/office/drawing/2014/main" id="{FB67697B-E2F6-452F-B4AF-9444ACC6F580}"/>
+                <a16:creationId xmlns:a16="http://schemas.microsoft.com/office/drawing/2014/main" id="{9E9CAB07-B0CD-4712-9734-2D3CBC72598C}"/>
               </a:ext>
             </a:extLst>
           </p:cNvPr>
@@ -3976,10 +4238,134 @@
           </a:p>
         </p:txBody>
       </p:sp>
+      <p:sp>
+        <p:nvSpPr>
+          <p:cNvPr id="3" name="Title 2">
+            <a:extLst>
+              <a:ext uri="{FF2B5EF4-FFF2-40B4-BE49-F238E27FC236}">
+                <a16:creationId xmlns:a16="http://schemas.microsoft.com/office/drawing/2014/main" id="{F39C6F49-1887-4BE4-A583-FB79B8A22935}"/>
+              </a:ext>
+            </a:extLst>
+          </p:cNvPr>
+          <p:cNvSpPr>
+            <a:spLocks noGrp="1"/>
+          </p:cNvSpPr>
+          <p:nvPr>
+            <p:ph type="title"/>
+          </p:nvPr>
+        </p:nvSpPr>
+        <p:spPr/>
+        <p:txBody>
+          <a:bodyPr/>
+          <a:lstStyle/>
+          <a:p>
+            <a:r>
+              <a:rPr lang="vi-VN" dirty="0"/>
+              <a:t>Giao diện người dùng</a:t>
+            </a:r>
+            <a:endParaRPr lang="en-US" dirty="0"/>
+          </a:p>
+        </p:txBody>
+      </p:sp>
+      <p:sp>
+        <p:nvSpPr>
+          <p:cNvPr id="4" name="Text Placeholder 3">
+            <a:extLst>
+              <a:ext uri="{FF2B5EF4-FFF2-40B4-BE49-F238E27FC236}">
+                <a16:creationId xmlns:a16="http://schemas.microsoft.com/office/drawing/2014/main" id="{BC311219-8684-45FC-A126-E067924AC7F7}"/>
+              </a:ext>
+            </a:extLst>
+          </p:cNvPr>
+          <p:cNvSpPr>
+            <a:spLocks noGrp="1"/>
+          </p:cNvSpPr>
+          <p:nvPr>
+            <p:ph type="body" sz="quarter" idx="13"/>
+          </p:nvPr>
+        </p:nvSpPr>
+        <p:spPr/>
+        <p:txBody>
+          <a:bodyPr/>
+          <a:lstStyle/>
+          <a:p>
+            <a:r>
+              <a:rPr lang="vi-VN" sz="2400" b="1" dirty="0"/>
+              <a:t>Trang chủ</a:t>
+            </a:r>
+            <a:r>
+              <a:rPr lang="vi-VN" sz="2400" dirty="0"/>
+              <a:t>: trình bày sản phẩm nổi bật, thương hiệu hợp tác.</a:t>
+            </a:r>
+          </a:p>
+          <a:p>
+            <a:r>
+              <a:rPr lang="vi-VN" sz="2400" b="1" dirty="0"/>
+              <a:t>Danh mục sản phẩm</a:t>
+            </a:r>
+            <a:r>
+              <a:rPr lang="vi-VN" sz="2400" dirty="0"/>
+              <a:t>: phân loại theo thời trang nam, nữ, trẻ em.</a:t>
+            </a:r>
+          </a:p>
+          <a:p>
+            <a:r>
+              <a:rPr lang="vi-VN" sz="2400" b="1" dirty="0"/>
+              <a:t>Chi tiết sản phẩm</a:t>
+            </a:r>
+            <a:r>
+              <a:rPr lang="vi-VN" sz="2400" dirty="0"/>
+              <a:t>: hình ảnh, tên sản phẩm, giá cả (trước và sau giảm giá), chất liệu, kích cỡ có sẵn</a:t>
+            </a:r>
+          </a:p>
+          <a:p>
+            <a:r>
+              <a:rPr lang="vi-VN" sz="2400" b="1" dirty="0"/>
+              <a:t>Giỏ hàng</a:t>
+            </a:r>
+            <a:r>
+              <a:rPr lang="vi-VN" sz="2400" dirty="0"/>
+              <a:t>: danh sách sản phẩm đã chọn, thêm, xoá, cập nhật số lượng từng sản phẩm, tổng tiền</a:t>
+            </a:r>
+          </a:p>
+          <a:p>
+            <a:r>
+              <a:rPr lang="vi-VN" sz="2400" b="1" dirty="0"/>
+              <a:t>Trang thanh toán</a:t>
+            </a:r>
+            <a:r>
+              <a:rPr lang="vi-VN" sz="2400" dirty="0"/>
+              <a:t>: form nhập thông tin khách hàng (họ tên, email, số điện thoại, địa chỉ) và phương thức thanh toán</a:t>
+            </a:r>
+          </a:p>
+          <a:p>
+            <a:r>
+              <a:rPr lang="vi-VN" sz="2800" dirty="0"/>
+              <a:t>Liên hệ: </a:t>
+            </a:r>
+            <a:r>
+              <a:rPr lang="vi-VN" sz="2400" dirty="0"/>
+              <a:t>nhập thông tin khách hàng, nội dung liên hệ</a:t>
+            </a:r>
+          </a:p>
+          <a:p>
+            <a:r>
+              <a:rPr lang="vi-VN" sz="2400" b="1" dirty="0"/>
+              <a:t>Trang quản trị dành cho admin</a:t>
+            </a:r>
+            <a:r>
+              <a:rPr lang="vi-VN" sz="2400" dirty="0"/>
+              <a:t>: danh sách toàn bộ sản phẩm, thao tác thêm, sửa, xoá sản phẩm</a:t>
+            </a:r>
+          </a:p>
+          <a:p>
+            <a:endParaRPr lang="vi-VN" sz="2400" dirty="0"/>
+          </a:p>
+        </p:txBody>
+      </p:sp>
     </p:spTree>
     <p:extLst>
       <p:ext uri="{BB962C8B-B14F-4D97-AF65-F5344CB8AC3E}">
-        <p14:creationId xmlns:p14="http://schemas.microsoft.com/office/powerpoint/2010/main" val="3194012731"/>
+        <p14:creationId xmlns:p14="http://schemas.microsoft.com/office/powerpoint/2010/main" val="2789234365"/>
       </p:ext>
     </p:extLst>
   </p:cSld>
@@ -4008,85 +4394,10 @@
       </p:grpSpPr>
       <p:sp>
         <p:nvSpPr>
-          <p:cNvPr id="2" name="Title 1">
+          <p:cNvPr id="2" name="Slide Number Placeholder 1">
             <a:extLst>
               <a:ext uri="{FF2B5EF4-FFF2-40B4-BE49-F238E27FC236}">
-                <a16:creationId xmlns:a16="http://schemas.microsoft.com/office/drawing/2014/main" id="{87C0747E-B2EF-40FB-817D-1B9698A1DDF7}"/>
-              </a:ext>
-            </a:extLst>
-          </p:cNvPr>
-          <p:cNvSpPr>
-            <a:spLocks noGrp="1"/>
-          </p:cNvSpPr>
-          <p:nvPr>
-            <p:ph type="title"/>
-          </p:nvPr>
-        </p:nvSpPr>
-        <p:spPr/>
-        <p:txBody>
-          <a:bodyPr/>
-          <a:lstStyle/>
-          <a:p>
-            <a:endParaRPr lang="en-US"/>
-          </a:p>
-        </p:txBody>
-      </p:sp>
-      <p:sp>
-        <p:nvSpPr>
-          <p:cNvPr id="3" name="Content Placeholder 2">
-            <a:extLst>
-              <a:ext uri="{FF2B5EF4-FFF2-40B4-BE49-F238E27FC236}">
-                <a16:creationId xmlns:a16="http://schemas.microsoft.com/office/drawing/2014/main" id="{F39C2A16-C4CE-4211-8159-39DCE00C99DA}"/>
-              </a:ext>
-            </a:extLst>
-          </p:cNvPr>
-          <p:cNvSpPr>
-            <a:spLocks noGrp="1"/>
-          </p:cNvSpPr>
-          <p:nvPr>
-            <p:ph sz="half" idx="1"/>
-          </p:nvPr>
-        </p:nvSpPr>
-        <p:spPr/>
-        <p:txBody>
-          <a:bodyPr/>
-          <a:lstStyle/>
-          <a:p>
-            <a:endParaRPr lang="en-US"/>
-          </a:p>
-        </p:txBody>
-      </p:sp>
-      <p:sp>
-        <p:nvSpPr>
-          <p:cNvPr id="4" name="Content Placeholder 3">
-            <a:extLst>
-              <a:ext uri="{FF2B5EF4-FFF2-40B4-BE49-F238E27FC236}">
-                <a16:creationId xmlns:a16="http://schemas.microsoft.com/office/drawing/2014/main" id="{6FF4A0AC-28A9-48BF-A83D-2C70275828C6}"/>
-              </a:ext>
-            </a:extLst>
-          </p:cNvPr>
-          <p:cNvSpPr>
-            <a:spLocks noGrp="1"/>
-          </p:cNvSpPr>
-          <p:nvPr>
-            <p:ph sz="half" idx="2"/>
-          </p:nvPr>
-        </p:nvSpPr>
-        <p:spPr/>
-        <p:txBody>
-          <a:bodyPr/>
-          <a:lstStyle/>
-          <a:p>
-            <a:endParaRPr lang="en-US"/>
-          </a:p>
-        </p:txBody>
-      </p:sp>
-      <p:sp>
-        <p:nvSpPr>
-          <p:cNvPr id="5" name="Slide Number Placeholder 4">
-            <a:extLst>
-              <a:ext uri="{FF2B5EF4-FFF2-40B4-BE49-F238E27FC236}">
-                <a16:creationId xmlns:a16="http://schemas.microsoft.com/office/drawing/2014/main" id="{95F0CAEB-1E37-4136-AF3B-BBA69ACEC6DE}"/>
+                <a16:creationId xmlns:a16="http://schemas.microsoft.com/office/drawing/2014/main" id="{9E9CAB07-B0CD-4712-9734-2D3CBC72598C}"/>
               </a:ext>
             </a:extLst>
           </p:cNvPr>
@@ -4111,10 +4422,120 @@
           </a:p>
         </p:txBody>
       </p:sp>
+      <p:sp>
+        <p:nvSpPr>
+          <p:cNvPr id="3" name="Title 2">
+            <a:extLst>
+              <a:ext uri="{FF2B5EF4-FFF2-40B4-BE49-F238E27FC236}">
+                <a16:creationId xmlns:a16="http://schemas.microsoft.com/office/drawing/2014/main" id="{F39C6F49-1887-4BE4-A583-FB79B8A22935}"/>
+              </a:ext>
+            </a:extLst>
+          </p:cNvPr>
+          <p:cNvSpPr>
+            <a:spLocks noGrp="1"/>
+          </p:cNvSpPr>
+          <p:nvPr>
+            <p:ph type="title"/>
+          </p:nvPr>
+        </p:nvSpPr>
+        <p:spPr/>
+        <p:txBody>
+          <a:bodyPr/>
+          <a:lstStyle/>
+          <a:p>
+            <a:r>
+              <a:rPr lang="vi-VN" b="1" dirty="0"/>
+              <a:t>Triển khai &amp; Kết quả đạt được</a:t>
+            </a:r>
+          </a:p>
+        </p:txBody>
+      </p:sp>
+      <p:sp>
+        <p:nvSpPr>
+          <p:cNvPr id="4" name="Text Placeholder 3">
+            <a:extLst>
+              <a:ext uri="{FF2B5EF4-FFF2-40B4-BE49-F238E27FC236}">
+                <a16:creationId xmlns:a16="http://schemas.microsoft.com/office/drawing/2014/main" id="{BC311219-8684-45FC-A126-E067924AC7F7}"/>
+              </a:ext>
+            </a:extLst>
+          </p:cNvPr>
+          <p:cNvSpPr>
+            <a:spLocks noGrp="1"/>
+          </p:cNvSpPr>
+          <p:nvPr>
+            <p:ph type="body" sz="quarter" idx="13"/>
+          </p:nvPr>
+        </p:nvSpPr>
+        <p:spPr/>
+        <p:txBody>
+          <a:bodyPr/>
+          <a:lstStyle/>
+          <a:p>
+            <a:r>
+              <a:rPr lang="vi-VN" b="1" dirty="0"/>
+              <a:t>Triển khai</a:t>
+            </a:r>
+            <a:r>
+              <a:rPr lang="vi-VN" dirty="0"/>
+              <a:t>:</a:t>
+            </a:r>
+          </a:p>
+          <a:p>
+            <a:pPr>
+              <a:buFont typeface="Arial" panose="020B0604020202020204" pitchFamily="34" charset="0"/>
+              <a:buChar char="•"/>
+            </a:pPr>
+            <a:r>
+              <a:rPr lang="vi-VN" dirty="0"/>
+              <a:t>Website được triển khai trên Netlify.</a:t>
+            </a:r>
+          </a:p>
+          <a:p>
+            <a:pPr>
+              <a:buFont typeface="Arial" panose="020B0604020202020204" pitchFamily="34" charset="0"/>
+              <a:buChar char="•"/>
+            </a:pPr>
+            <a:r>
+              <a:rPr lang="vi-VN" dirty="0"/>
+              <a:t>Đảm bảo tương thích với các trình duyệt phổ biến.</a:t>
+            </a:r>
+          </a:p>
+          <a:p>
+            <a:r>
+              <a:rPr lang="vi-VN" b="1" dirty="0"/>
+              <a:t>Kết quả</a:t>
+            </a:r>
+            <a:r>
+              <a:rPr lang="vi-VN" dirty="0"/>
+              <a:t>:</a:t>
+            </a:r>
+          </a:p>
+          <a:p>
+            <a:pPr>
+              <a:buFont typeface="Arial" panose="020B0604020202020204" pitchFamily="34" charset="0"/>
+              <a:buChar char="•"/>
+            </a:pPr>
+            <a:r>
+              <a:rPr lang="vi-VN" dirty="0"/>
+              <a:t>Website hoạt động ổn định, giao diện thân thiện.</a:t>
+            </a:r>
+          </a:p>
+          <a:p>
+            <a:pPr>
+              <a:buFont typeface="Arial" panose="020B0604020202020204" pitchFamily="34" charset="0"/>
+              <a:buChar char="•"/>
+            </a:pPr>
+            <a:r>
+              <a:rPr lang="vi-VN" dirty="0"/>
+              <a:t>Đáp ứng đầy đủ các chức năng đề ra.</a:t>
+            </a:r>
+          </a:p>
+        </p:txBody>
+      </p:sp>
     </p:spTree>
     <p:extLst>
       <p:ext uri="{BB962C8B-B14F-4D97-AF65-F5344CB8AC3E}">
-        <p14:creationId xmlns:p14="http://schemas.microsoft.com/office/powerpoint/2010/main" val="870228455"/>
+        <p14:creationId xmlns:p14="http://schemas.microsoft.com/office/powerpoint/2010/main" val="2994580701"/>
       </p:ext>
     </p:extLst>
   </p:cSld>
@@ -4146,7 +4567,7 @@
           <p:cNvPr id="2" name="Slide Number Placeholder 1">
             <a:extLst>
               <a:ext uri="{FF2B5EF4-FFF2-40B4-BE49-F238E27FC236}">
-                <a16:creationId xmlns:a16="http://schemas.microsoft.com/office/drawing/2014/main" id="{DA37B5C8-2095-4D2D-97FE-E4E8D89379E1}"/>
+                <a16:creationId xmlns:a16="http://schemas.microsoft.com/office/drawing/2014/main" id="{9E9CAB07-B0CD-4712-9734-2D3CBC72598C}"/>
               </a:ext>
             </a:extLst>
           </p:cNvPr>
@@ -4173,52 +4594,171 @@
       </p:sp>
       <p:sp>
         <p:nvSpPr>
-          <p:cNvPr id="3" name="Title 10">
+          <p:cNvPr id="3" name="Title 2">
             <a:extLst>
               <a:ext uri="{FF2B5EF4-FFF2-40B4-BE49-F238E27FC236}">
-                <a16:creationId xmlns:a16="http://schemas.microsoft.com/office/drawing/2014/main" id="{F78B3876-6ECC-4098-BDD1-C48CE4B42721}"/>
+                <a16:creationId xmlns:a16="http://schemas.microsoft.com/office/drawing/2014/main" id="{F39C6F49-1887-4BE4-A583-FB79B8A22935}"/>
               </a:ext>
             </a:extLst>
           </p:cNvPr>
-          <p:cNvSpPr txBox="1">
-            <a:spLocks/>
-          </p:cNvSpPr>
-          <p:nvPr/>
-        </p:nvSpPr>
-        <p:spPr>
-          <a:xfrm>
-            <a:off x="4181094" y="3021991"/>
-            <a:ext cx="4197975" cy="814017"/>
-          </a:xfrm>
-          <a:prstGeom prst="rect">
-            <a:avLst/>
-          </a:prstGeom>
-        </p:spPr>
+          <p:cNvSpPr>
+            <a:spLocks noGrp="1"/>
+          </p:cNvSpPr>
+          <p:nvPr>
+            <p:ph type="title"/>
+          </p:nvPr>
+        </p:nvSpPr>
+        <p:spPr/>
         <p:txBody>
           <a:bodyPr/>
-          <a:lstStyle>
-            <a:lvl1pPr algn="l" defTabSz="914400" rtl="0" eaLnBrk="1" latinLnBrk="0" hangingPunct="1">
-              <a:lnSpc>
-                <a:spcPct val="90000"/>
-              </a:lnSpc>
-              <a:spcBef>
-                <a:spcPct val="0"/>
-              </a:spcBef>
-              <a:buNone/>
-              <a:defRPr sz="6000" b="1" kern="1200">
-                <a:solidFill>
-                  <a:srgbClr val="C00000"/>
-                </a:solidFill>
-                <a:latin typeface="Lato" panose="020F0502020204030203" pitchFamily="34" charset="0"/>
-                <a:ea typeface="Lato" panose="020F0502020204030203" pitchFamily="34" charset="0"/>
-                <a:cs typeface="Lato" panose="020F0502020204030203" pitchFamily="34" charset="0"/>
-              </a:defRPr>
-            </a:lvl1pPr>
-          </a:lstStyle>
-          <a:p>
-            <a:r>
-              <a:rPr lang="en-US" sz="4800" dirty="0"/>
-              <a:t>THANK YOU !</a:t>
+          <a:lstStyle/>
+          <a:p>
+            <a:r>
+              <a:rPr lang="vi-VN" dirty="0"/>
+              <a:t>Đánh giá &amp; Hướng phát triển</a:t>
+            </a:r>
+            <a:endParaRPr lang="vi-VN" b="1" dirty="0"/>
+          </a:p>
+        </p:txBody>
+      </p:sp>
+      <p:sp>
+        <p:nvSpPr>
+          <p:cNvPr id="4" name="Text Placeholder 3">
+            <a:extLst>
+              <a:ext uri="{FF2B5EF4-FFF2-40B4-BE49-F238E27FC236}">
+                <a16:creationId xmlns:a16="http://schemas.microsoft.com/office/drawing/2014/main" id="{BC311219-8684-45FC-A126-E067924AC7F7}"/>
+              </a:ext>
+            </a:extLst>
+          </p:cNvPr>
+          <p:cNvSpPr>
+            <a:spLocks noGrp="1"/>
+          </p:cNvSpPr>
+          <p:nvPr>
+            <p:ph type="body" sz="quarter" idx="13"/>
+          </p:nvPr>
+        </p:nvSpPr>
+        <p:spPr/>
+        <p:txBody>
+          <a:bodyPr/>
+          <a:lstStyle/>
+          <a:p>
+            <a:r>
+              <a:rPr lang="vi-VN" b="1" dirty="0"/>
+              <a:t>Ưu điểm</a:t>
+            </a:r>
+            <a:r>
+              <a:rPr lang="vi-VN" dirty="0"/>
+              <a:t>:</a:t>
+            </a:r>
+          </a:p>
+          <a:p>
+            <a:pPr>
+              <a:buFont typeface="Arial" panose="020B0604020202020204" pitchFamily="34" charset="0"/>
+              <a:buChar char="•"/>
+            </a:pPr>
+            <a:r>
+              <a:rPr lang="vi-VN" dirty="0"/>
+              <a:t>Giao diện đẹp, dễ sử dụng.</a:t>
+            </a:r>
+          </a:p>
+          <a:p>
+            <a:pPr>
+              <a:buFont typeface="Arial" panose="020B0604020202020204" pitchFamily="34" charset="0"/>
+              <a:buChar char="•"/>
+            </a:pPr>
+            <a:r>
+              <a:rPr lang="vi-VN" dirty="0"/>
+              <a:t>Chức năng đầy đủ cho một website bán hàng cơ bản.</a:t>
+            </a:r>
+          </a:p>
+          <a:p>
+            <a:pPr>
+              <a:buFont typeface="Arial" panose="020B0604020202020204" pitchFamily="34" charset="0"/>
+              <a:buChar char="•"/>
+            </a:pPr>
+            <a:r>
+              <a:rPr lang="vi-VN" dirty="0"/>
+              <a:t>Phản hồi nhanh, trải nghiệm người dùng tốt.</a:t>
+            </a:r>
+          </a:p>
+          <a:p>
+            <a:r>
+              <a:rPr lang="vi-VN" b="1" dirty="0"/>
+              <a:t>Hạn chế</a:t>
+            </a:r>
+            <a:r>
+              <a:rPr lang="vi-VN" dirty="0"/>
+              <a:t>:</a:t>
+            </a:r>
+          </a:p>
+          <a:p>
+            <a:pPr>
+              <a:buFont typeface="Arial" panose="020B0604020202020204" pitchFamily="34" charset="0"/>
+              <a:buChar char="•"/>
+            </a:pPr>
+            <a:r>
+              <a:rPr lang="vi-VN" dirty="0"/>
+              <a:t>Chưa tích hợp thanh toán trực tuyến.</a:t>
+            </a:r>
+          </a:p>
+          <a:p>
+            <a:pPr>
+              <a:buFont typeface="Arial" panose="020B0604020202020204" pitchFamily="34" charset="0"/>
+              <a:buChar char="•"/>
+            </a:pPr>
+            <a:r>
+              <a:rPr lang="vi-VN" dirty="0"/>
+              <a:t>Chưa có chức năng đăng nhập/đăng ký người dùng.</a:t>
+            </a:r>
+          </a:p>
+          <a:p>
+            <a:r>
+              <a:rPr lang="vi-VN" b="1" dirty="0"/>
+              <a:t>Hướng phát triển</a:t>
+            </a:r>
+            <a:r>
+              <a:rPr lang="vi-VN" dirty="0"/>
+              <a:t>:</a:t>
+            </a:r>
+          </a:p>
+          <a:p>
+            <a:pPr>
+              <a:buFont typeface="Arial" panose="020B0604020202020204" pitchFamily="34" charset="0"/>
+              <a:buChar char="•"/>
+            </a:pPr>
+            <a:r>
+              <a:rPr lang="vi-VN" dirty="0"/>
+              <a:t>Tích hợp cổng thanh toán trực tuyến (VNPay, Momo).</a:t>
+            </a:r>
+          </a:p>
+          <a:p>
+            <a:pPr>
+              <a:buFont typeface="Arial" panose="020B0604020202020204" pitchFamily="34" charset="0"/>
+              <a:buChar char="•"/>
+            </a:pPr>
+            <a:r>
+              <a:rPr lang="vi-VN" dirty="0"/>
+              <a:t>Phát triển chức năng đăng nhập, quản lý tài khoản người dùng.</a:t>
+            </a:r>
+          </a:p>
+          <a:p>
+            <a:pPr>
+              <a:buFont typeface="Arial" panose="020B0604020202020204" pitchFamily="34" charset="0"/>
+              <a:buChar char="•"/>
+            </a:pPr>
+            <a:r>
+              <a:rPr lang="vi-VN" dirty="0"/>
+              <a:t>Tối ưu hóa SEO để nâng cao khả năng tìm kiếm.</a:t>
+            </a:r>
+          </a:p>
+          <a:p>
+            <a:pPr>
+              <a:buFont typeface="Arial" panose="020B0604020202020204" pitchFamily="34" charset="0"/>
+              <a:buChar char="•"/>
+            </a:pPr>
+            <a:r>
+              <a:rPr lang="vi-VN" dirty="0"/>
+              <a:t>Phát triển ứng dụng di động đồng bộ với website.</a:t>
             </a:r>
           </a:p>
         </p:txBody>
@@ -4226,7 +4766,7 @@
     </p:spTree>
     <p:extLst>
       <p:ext uri="{BB962C8B-B14F-4D97-AF65-F5344CB8AC3E}">
-        <p14:creationId xmlns:p14="http://schemas.microsoft.com/office/powerpoint/2010/main" val="2830535683"/>
+        <p14:creationId xmlns:p14="http://schemas.microsoft.com/office/powerpoint/2010/main" val="3808623526"/>
       </p:ext>
     </p:extLst>
   </p:cSld>
